--- a/Trie.pptx
+++ b/Trie.pptx
@@ -19,14 +19,14 @@
     <p:sldId id="262" r:id="rId10"/>
     <p:sldId id="263" r:id="rId11"/>
     <p:sldId id="264" r:id="rId12"/>
-    <p:sldId id="265" r:id="rId13"/>
-    <p:sldId id="266" r:id="rId14"/>
-    <p:sldId id="267" r:id="rId15"/>
-    <p:sldId id="268" r:id="rId16"/>
-    <p:sldId id="269" r:id="rId17"/>
-    <p:sldId id="270" r:id="rId18"/>
-    <p:sldId id="271" r:id="rId19"/>
-    <p:sldId id="272" r:id="rId20"/>
+    <p:sldId id="272" r:id="rId13"/>
+    <p:sldId id="265" r:id="rId14"/>
+    <p:sldId id="271" r:id="rId15"/>
+    <p:sldId id="283" r:id="rId16"/>
+    <p:sldId id="284" r:id="rId17"/>
+    <p:sldId id="285" r:id="rId18"/>
+    <p:sldId id="286" r:id="rId19"/>
+    <p:sldId id="287" r:id="rId20"/>
     <p:sldId id="273" r:id="rId21"/>
     <p:sldId id="280" r:id="rId22"/>
     <p:sldId id="281" r:id="rId23"/>
@@ -236,6 +236,11 @@
       </a:defRPr>
     </a:lvl9pPr>
   </p:defaultTextStyle>
+  <p:extLst>
+    <p:ext uri="{EFAFB233-063F-42B5-8137-9DF3F51BA10A}">
+      <p15:sldGuideLst xmlns:p15="http://schemas.microsoft.com/office/powerpoint/2012/main"/>
+    </p:ext>
+  </p:extLst>
 </p:presentation>
 </file>
 
@@ -602,6 +607,107 @@
   <p:cSld>
     <p:spTree>
       <p:nvGrpSpPr>
+        <p:cNvPr id="1" name="Shape 156"/>
+        <p:cNvGrpSpPr/>
+        <p:nvPr/>
+      </p:nvGrpSpPr>
+      <p:grpSpPr>
+        <a:xfrm>
+          <a:off x="0" y="0"/>
+          <a:ext cx="0" cy="0"/>
+          <a:chOff x="0" y="0"/>
+          <a:chExt cx="0" cy="0"/>
+        </a:xfrm>
+      </p:grpSpPr>
+      <p:sp>
+        <p:nvSpPr>
+          <p:cNvPr id="157" name="Shape 157"/>
+          <p:cNvSpPr>
+            <a:spLocks noGrp="1" noRot="1" noChangeAspect="1"/>
+          </p:cNvSpPr>
+          <p:nvPr>
+            <p:ph type="sldImg" idx="2"/>
+          </p:nvPr>
+        </p:nvSpPr>
+        <p:spPr>
+          <a:xfrm>
+            <a:off x="381000" y="685800"/>
+            <a:ext cx="6096000" cy="3429000"/>
+          </a:xfrm>
+          <a:custGeom>
+            <a:avLst/>
+            <a:gdLst/>
+            <a:ahLst/>
+            <a:cxnLst/>
+            <a:rect l="0" t="0" r="0" b="0"/>
+            <a:pathLst>
+              <a:path w="120000" h="120000" extrusionOk="0">
+                <a:moveTo>
+                  <a:pt x="0" y="0"/>
+                </a:moveTo>
+                <a:lnTo>
+                  <a:pt x="120000" y="0"/>
+                </a:lnTo>
+                <a:lnTo>
+                  <a:pt x="120000" y="120000"/>
+                </a:lnTo>
+                <a:lnTo>
+                  <a:pt x="0" y="120000"/>
+                </a:lnTo>
+                <a:close/>
+              </a:path>
+            </a:pathLst>
+          </a:custGeom>
+        </p:spPr>
+      </p:sp>
+      <p:sp>
+        <p:nvSpPr>
+          <p:cNvPr id="158" name="Shape 158"/>
+          <p:cNvSpPr txBox="1">
+            <a:spLocks noGrp="1"/>
+          </p:cNvSpPr>
+          <p:nvPr>
+            <p:ph type="body" idx="1"/>
+          </p:nvPr>
+        </p:nvSpPr>
+        <p:spPr>
+          <a:xfrm>
+            <a:off x="685800" y="4343400"/>
+            <a:ext cx="5486400" cy="4114800"/>
+          </a:xfrm>
+          <a:prstGeom prst="rect">
+            <a:avLst/>
+          </a:prstGeom>
+        </p:spPr>
+        <p:txBody>
+          <a:bodyPr lIns="91425" tIns="91425" rIns="91425" bIns="91425" anchor="t" anchorCtr="0">
+            <a:noAutofit/>
+          </a:bodyPr>
+          <a:lstStyle/>
+          <a:p>
+            <a:pPr lvl="0" rtl="0">
+              <a:spcBef>
+                <a:spcPts val="0"/>
+              </a:spcBef>
+              <a:buNone/>
+            </a:pPr>
+            <a:endParaRPr/>
+          </a:p>
+        </p:txBody>
+      </p:sp>
+    </p:spTree>
+  </p:cSld>
+  <p:clrMapOvr>
+    <a:masterClrMapping/>
+  </p:clrMapOvr>
+</p:notes>
+</file>
+
+<file path=ppt/notesSlides/notesSlide11.xml><?xml version="1.0" encoding="utf-8"?>
+<p:notes xmlns:a="http://schemas.openxmlformats.org/drawingml/2006/main" xmlns:r="http://schemas.openxmlformats.org/officeDocument/2006/relationships" xmlns:p="http://schemas.openxmlformats.org/presentationml/2006/main" showMasterSp="0" showMasterPhAnim="0">
+  <p:cSld>
+    <p:spTree>
+      <p:nvGrpSpPr>
         <p:cNvPr id="1" name="Shape 113"/>
         <p:cNvGrpSpPr/>
         <p:nvPr/>
@@ -698,512 +804,7 @@
 </p:notes>
 </file>
 
-<file path=ppt/notesSlides/notesSlide11.xml><?xml version="1.0" encoding="utf-8"?>
-<p:notes xmlns:a="http://schemas.openxmlformats.org/drawingml/2006/main" xmlns:r="http://schemas.openxmlformats.org/officeDocument/2006/relationships" xmlns:p="http://schemas.openxmlformats.org/presentationml/2006/main" showMasterSp="0" showMasterPhAnim="0">
-  <p:cSld>
-    <p:spTree>
-      <p:nvGrpSpPr>
-        <p:cNvPr id="1" name="Shape 118"/>
-        <p:cNvGrpSpPr/>
-        <p:nvPr/>
-      </p:nvGrpSpPr>
-      <p:grpSpPr>
-        <a:xfrm>
-          <a:off x="0" y="0"/>
-          <a:ext cx="0" cy="0"/>
-          <a:chOff x="0" y="0"/>
-          <a:chExt cx="0" cy="0"/>
-        </a:xfrm>
-      </p:grpSpPr>
-      <p:sp>
-        <p:nvSpPr>
-          <p:cNvPr id="119" name="Shape 119"/>
-          <p:cNvSpPr>
-            <a:spLocks noGrp="1" noRot="1" noChangeAspect="1"/>
-          </p:cNvSpPr>
-          <p:nvPr>
-            <p:ph type="sldImg" idx="2"/>
-          </p:nvPr>
-        </p:nvSpPr>
-        <p:spPr>
-          <a:xfrm>
-            <a:off x="381000" y="685800"/>
-            <a:ext cx="6096000" cy="3429000"/>
-          </a:xfrm>
-          <a:custGeom>
-            <a:avLst/>
-            <a:gdLst/>
-            <a:ahLst/>
-            <a:cxnLst/>
-            <a:rect l="0" t="0" r="0" b="0"/>
-            <a:pathLst>
-              <a:path w="120000" h="120000" extrusionOk="0">
-                <a:moveTo>
-                  <a:pt x="0" y="0"/>
-                </a:moveTo>
-                <a:lnTo>
-                  <a:pt x="120000" y="0"/>
-                </a:lnTo>
-                <a:lnTo>
-                  <a:pt x="120000" y="120000"/>
-                </a:lnTo>
-                <a:lnTo>
-                  <a:pt x="0" y="120000"/>
-                </a:lnTo>
-                <a:close/>
-              </a:path>
-            </a:pathLst>
-          </a:custGeom>
-        </p:spPr>
-      </p:sp>
-      <p:sp>
-        <p:nvSpPr>
-          <p:cNvPr id="120" name="Shape 120"/>
-          <p:cNvSpPr txBox="1">
-            <a:spLocks noGrp="1"/>
-          </p:cNvSpPr>
-          <p:nvPr>
-            <p:ph type="body" idx="1"/>
-          </p:nvPr>
-        </p:nvSpPr>
-        <p:spPr>
-          <a:xfrm>
-            <a:off x="685800" y="4343400"/>
-            <a:ext cx="5486400" cy="4114800"/>
-          </a:xfrm>
-          <a:prstGeom prst="rect">
-            <a:avLst/>
-          </a:prstGeom>
-        </p:spPr>
-        <p:txBody>
-          <a:bodyPr lIns="91425" tIns="91425" rIns="91425" bIns="91425" anchor="t" anchorCtr="0">
-            <a:noAutofit/>
-          </a:bodyPr>
-          <a:lstStyle/>
-          <a:p>
-            <a:pPr lvl="0" rtl="0">
-              <a:spcBef>
-                <a:spcPts val="0"/>
-              </a:spcBef>
-              <a:buNone/>
-            </a:pPr>
-            <a:endParaRPr/>
-          </a:p>
-        </p:txBody>
-      </p:sp>
-    </p:spTree>
-  </p:cSld>
-  <p:clrMapOvr>
-    <a:masterClrMapping/>
-  </p:clrMapOvr>
-</p:notes>
-</file>
-
 <file path=ppt/notesSlides/notesSlide12.xml><?xml version="1.0" encoding="utf-8"?>
-<p:notes xmlns:a="http://schemas.openxmlformats.org/drawingml/2006/main" xmlns:r="http://schemas.openxmlformats.org/officeDocument/2006/relationships" xmlns:p="http://schemas.openxmlformats.org/presentationml/2006/main" showMasterSp="0" showMasterPhAnim="0">
-  <p:cSld>
-    <p:spTree>
-      <p:nvGrpSpPr>
-        <p:cNvPr id="1" name="Shape 125"/>
-        <p:cNvGrpSpPr/>
-        <p:nvPr/>
-      </p:nvGrpSpPr>
-      <p:grpSpPr>
-        <a:xfrm>
-          <a:off x="0" y="0"/>
-          <a:ext cx="0" cy="0"/>
-          <a:chOff x="0" y="0"/>
-          <a:chExt cx="0" cy="0"/>
-        </a:xfrm>
-      </p:grpSpPr>
-      <p:sp>
-        <p:nvSpPr>
-          <p:cNvPr id="126" name="Shape 126"/>
-          <p:cNvSpPr>
-            <a:spLocks noGrp="1" noRot="1" noChangeAspect="1"/>
-          </p:cNvSpPr>
-          <p:nvPr>
-            <p:ph type="sldImg" idx="2"/>
-          </p:nvPr>
-        </p:nvSpPr>
-        <p:spPr>
-          <a:xfrm>
-            <a:off x="381000" y="685800"/>
-            <a:ext cx="6096000" cy="3429000"/>
-          </a:xfrm>
-          <a:custGeom>
-            <a:avLst/>
-            <a:gdLst/>
-            <a:ahLst/>
-            <a:cxnLst/>
-            <a:rect l="0" t="0" r="0" b="0"/>
-            <a:pathLst>
-              <a:path w="120000" h="120000" extrusionOk="0">
-                <a:moveTo>
-                  <a:pt x="0" y="0"/>
-                </a:moveTo>
-                <a:lnTo>
-                  <a:pt x="120000" y="0"/>
-                </a:lnTo>
-                <a:lnTo>
-                  <a:pt x="120000" y="120000"/>
-                </a:lnTo>
-                <a:lnTo>
-                  <a:pt x="0" y="120000"/>
-                </a:lnTo>
-                <a:close/>
-              </a:path>
-            </a:pathLst>
-          </a:custGeom>
-        </p:spPr>
-      </p:sp>
-      <p:sp>
-        <p:nvSpPr>
-          <p:cNvPr id="127" name="Shape 127"/>
-          <p:cNvSpPr txBox="1">
-            <a:spLocks noGrp="1"/>
-          </p:cNvSpPr>
-          <p:nvPr>
-            <p:ph type="body" idx="1"/>
-          </p:nvPr>
-        </p:nvSpPr>
-        <p:spPr>
-          <a:xfrm>
-            <a:off x="685800" y="4343400"/>
-            <a:ext cx="5486400" cy="4114800"/>
-          </a:xfrm>
-          <a:prstGeom prst="rect">
-            <a:avLst/>
-          </a:prstGeom>
-        </p:spPr>
-        <p:txBody>
-          <a:bodyPr lIns="91425" tIns="91425" rIns="91425" bIns="91425" anchor="t" anchorCtr="0">
-            <a:noAutofit/>
-          </a:bodyPr>
-          <a:lstStyle/>
-          <a:p>
-            <a:pPr lvl="0" rtl="0">
-              <a:spcBef>
-                <a:spcPts val="0"/>
-              </a:spcBef>
-              <a:buNone/>
-            </a:pPr>
-            <a:endParaRPr/>
-          </a:p>
-        </p:txBody>
-      </p:sp>
-    </p:spTree>
-  </p:cSld>
-  <p:clrMapOvr>
-    <a:masterClrMapping/>
-  </p:clrMapOvr>
-</p:notes>
-</file>
-
-<file path=ppt/notesSlides/notesSlide13.xml><?xml version="1.0" encoding="utf-8"?>
-<p:notes xmlns:a="http://schemas.openxmlformats.org/drawingml/2006/main" xmlns:r="http://schemas.openxmlformats.org/officeDocument/2006/relationships" xmlns:p="http://schemas.openxmlformats.org/presentationml/2006/main" showMasterSp="0" showMasterPhAnim="0">
-  <p:cSld>
-    <p:spTree>
-      <p:nvGrpSpPr>
-        <p:cNvPr id="1" name="Shape 132"/>
-        <p:cNvGrpSpPr/>
-        <p:nvPr/>
-      </p:nvGrpSpPr>
-      <p:grpSpPr>
-        <a:xfrm>
-          <a:off x="0" y="0"/>
-          <a:ext cx="0" cy="0"/>
-          <a:chOff x="0" y="0"/>
-          <a:chExt cx="0" cy="0"/>
-        </a:xfrm>
-      </p:grpSpPr>
-      <p:sp>
-        <p:nvSpPr>
-          <p:cNvPr id="133" name="Shape 133"/>
-          <p:cNvSpPr>
-            <a:spLocks noGrp="1" noRot="1" noChangeAspect="1"/>
-          </p:cNvSpPr>
-          <p:nvPr>
-            <p:ph type="sldImg" idx="2"/>
-          </p:nvPr>
-        </p:nvSpPr>
-        <p:spPr>
-          <a:xfrm>
-            <a:off x="381000" y="685800"/>
-            <a:ext cx="6096000" cy="3429000"/>
-          </a:xfrm>
-          <a:custGeom>
-            <a:avLst/>
-            <a:gdLst/>
-            <a:ahLst/>
-            <a:cxnLst/>
-            <a:rect l="0" t="0" r="0" b="0"/>
-            <a:pathLst>
-              <a:path w="120000" h="120000" extrusionOk="0">
-                <a:moveTo>
-                  <a:pt x="0" y="0"/>
-                </a:moveTo>
-                <a:lnTo>
-                  <a:pt x="120000" y="0"/>
-                </a:lnTo>
-                <a:lnTo>
-                  <a:pt x="120000" y="120000"/>
-                </a:lnTo>
-                <a:lnTo>
-                  <a:pt x="0" y="120000"/>
-                </a:lnTo>
-                <a:close/>
-              </a:path>
-            </a:pathLst>
-          </a:custGeom>
-        </p:spPr>
-      </p:sp>
-      <p:sp>
-        <p:nvSpPr>
-          <p:cNvPr id="134" name="Shape 134"/>
-          <p:cNvSpPr txBox="1">
-            <a:spLocks noGrp="1"/>
-          </p:cNvSpPr>
-          <p:nvPr>
-            <p:ph type="body" idx="1"/>
-          </p:nvPr>
-        </p:nvSpPr>
-        <p:spPr>
-          <a:xfrm>
-            <a:off x="685800" y="4343400"/>
-            <a:ext cx="5486400" cy="4114800"/>
-          </a:xfrm>
-          <a:prstGeom prst="rect">
-            <a:avLst/>
-          </a:prstGeom>
-        </p:spPr>
-        <p:txBody>
-          <a:bodyPr lIns="91425" tIns="91425" rIns="91425" bIns="91425" anchor="t" anchorCtr="0">
-            <a:noAutofit/>
-          </a:bodyPr>
-          <a:lstStyle/>
-          <a:p>
-            <a:pPr lvl="0" rtl="0">
-              <a:spcBef>
-                <a:spcPts val="0"/>
-              </a:spcBef>
-              <a:buNone/>
-            </a:pPr>
-            <a:endParaRPr/>
-          </a:p>
-        </p:txBody>
-      </p:sp>
-    </p:spTree>
-  </p:cSld>
-  <p:clrMapOvr>
-    <a:masterClrMapping/>
-  </p:clrMapOvr>
-</p:notes>
-</file>
-
-<file path=ppt/notesSlides/notesSlide14.xml><?xml version="1.0" encoding="utf-8"?>
-<p:notes xmlns:a="http://schemas.openxmlformats.org/drawingml/2006/main" xmlns:r="http://schemas.openxmlformats.org/officeDocument/2006/relationships" xmlns:p="http://schemas.openxmlformats.org/presentationml/2006/main" showMasterSp="0" showMasterPhAnim="0">
-  <p:cSld>
-    <p:spTree>
-      <p:nvGrpSpPr>
-        <p:cNvPr id="1" name="Shape 139"/>
-        <p:cNvGrpSpPr/>
-        <p:nvPr/>
-      </p:nvGrpSpPr>
-      <p:grpSpPr>
-        <a:xfrm>
-          <a:off x="0" y="0"/>
-          <a:ext cx="0" cy="0"/>
-          <a:chOff x="0" y="0"/>
-          <a:chExt cx="0" cy="0"/>
-        </a:xfrm>
-      </p:grpSpPr>
-      <p:sp>
-        <p:nvSpPr>
-          <p:cNvPr id="140" name="Shape 140"/>
-          <p:cNvSpPr>
-            <a:spLocks noGrp="1" noRot="1" noChangeAspect="1"/>
-          </p:cNvSpPr>
-          <p:nvPr>
-            <p:ph type="sldImg" idx="2"/>
-          </p:nvPr>
-        </p:nvSpPr>
-        <p:spPr>
-          <a:xfrm>
-            <a:off x="381000" y="685800"/>
-            <a:ext cx="6096000" cy="3429000"/>
-          </a:xfrm>
-          <a:custGeom>
-            <a:avLst/>
-            <a:gdLst/>
-            <a:ahLst/>
-            <a:cxnLst/>
-            <a:rect l="0" t="0" r="0" b="0"/>
-            <a:pathLst>
-              <a:path w="120000" h="120000" extrusionOk="0">
-                <a:moveTo>
-                  <a:pt x="0" y="0"/>
-                </a:moveTo>
-                <a:lnTo>
-                  <a:pt x="120000" y="0"/>
-                </a:lnTo>
-                <a:lnTo>
-                  <a:pt x="120000" y="120000"/>
-                </a:lnTo>
-                <a:lnTo>
-                  <a:pt x="0" y="120000"/>
-                </a:lnTo>
-                <a:close/>
-              </a:path>
-            </a:pathLst>
-          </a:custGeom>
-        </p:spPr>
-      </p:sp>
-      <p:sp>
-        <p:nvSpPr>
-          <p:cNvPr id="141" name="Shape 141"/>
-          <p:cNvSpPr txBox="1">
-            <a:spLocks noGrp="1"/>
-          </p:cNvSpPr>
-          <p:nvPr>
-            <p:ph type="body" idx="1"/>
-          </p:nvPr>
-        </p:nvSpPr>
-        <p:spPr>
-          <a:xfrm>
-            <a:off x="685800" y="4343400"/>
-            <a:ext cx="5486400" cy="4114800"/>
-          </a:xfrm>
-          <a:prstGeom prst="rect">
-            <a:avLst/>
-          </a:prstGeom>
-        </p:spPr>
-        <p:txBody>
-          <a:bodyPr lIns="91425" tIns="91425" rIns="91425" bIns="91425" anchor="t" anchorCtr="0">
-            <a:noAutofit/>
-          </a:bodyPr>
-          <a:lstStyle/>
-          <a:p>
-            <a:pPr lvl="0" rtl="0">
-              <a:spcBef>
-                <a:spcPts val="0"/>
-              </a:spcBef>
-              <a:buNone/>
-            </a:pPr>
-            <a:endParaRPr/>
-          </a:p>
-        </p:txBody>
-      </p:sp>
-    </p:spTree>
-  </p:cSld>
-  <p:clrMapOvr>
-    <a:masterClrMapping/>
-  </p:clrMapOvr>
-</p:notes>
-</file>
-
-<file path=ppt/notesSlides/notesSlide15.xml><?xml version="1.0" encoding="utf-8"?>
-<p:notes xmlns:a="http://schemas.openxmlformats.org/drawingml/2006/main" xmlns:r="http://schemas.openxmlformats.org/officeDocument/2006/relationships" xmlns:p="http://schemas.openxmlformats.org/presentationml/2006/main" showMasterSp="0" showMasterPhAnim="0">
-  <p:cSld>
-    <p:spTree>
-      <p:nvGrpSpPr>
-        <p:cNvPr id="1" name="Shape 146"/>
-        <p:cNvGrpSpPr/>
-        <p:nvPr/>
-      </p:nvGrpSpPr>
-      <p:grpSpPr>
-        <a:xfrm>
-          <a:off x="0" y="0"/>
-          <a:ext cx="0" cy="0"/>
-          <a:chOff x="0" y="0"/>
-          <a:chExt cx="0" cy="0"/>
-        </a:xfrm>
-      </p:grpSpPr>
-      <p:sp>
-        <p:nvSpPr>
-          <p:cNvPr id="147" name="Shape 147"/>
-          <p:cNvSpPr>
-            <a:spLocks noGrp="1" noRot="1" noChangeAspect="1"/>
-          </p:cNvSpPr>
-          <p:nvPr>
-            <p:ph type="sldImg" idx="2"/>
-          </p:nvPr>
-        </p:nvSpPr>
-        <p:spPr>
-          <a:xfrm>
-            <a:off x="381000" y="685800"/>
-            <a:ext cx="6096000" cy="3429000"/>
-          </a:xfrm>
-          <a:custGeom>
-            <a:avLst/>
-            <a:gdLst/>
-            <a:ahLst/>
-            <a:cxnLst/>
-            <a:rect l="0" t="0" r="0" b="0"/>
-            <a:pathLst>
-              <a:path w="120000" h="120000" extrusionOk="0">
-                <a:moveTo>
-                  <a:pt x="0" y="0"/>
-                </a:moveTo>
-                <a:lnTo>
-                  <a:pt x="120000" y="0"/>
-                </a:lnTo>
-                <a:lnTo>
-                  <a:pt x="120000" y="120000"/>
-                </a:lnTo>
-                <a:lnTo>
-                  <a:pt x="0" y="120000"/>
-                </a:lnTo>
-                <a:close/>
-              </a:path>
-            </a:pathLst>
-          </a:custGeom>
-        </p:spPr>
-      </p:sp>
-      <p:sp>
-        <p:nvSpPr>
-          <p:cNvPr id="148" name="Shape 148"/>
-          <p:cNvSpPr txBox="1">
-            <a:spLocks noGrp="1"/>
-          </p:cNvSpPr>
-          <p:nvPr>
-            <p:ph type="body" idx="1"/>
-          </p:nvPr>
-        </p:nvSpPr>
-        <p:spPr>
-          <a:xfrm>
-            <a:off x="685800" y="4343400"/>
-            <a:ext cx="5486400" cy="4114800"/>
-          </a:xfrm>
-          <a:prstGeom prst="rect">
-            <a:avLst/>
-          </a:prstGeom>
-        </p:spPr>
-        <p:txBody>
-          <a:bodyPr lIns="91425" tIns="91425" rIns="91425" bIns="91425" anchor="t" anchorCtr="0">
-            <a:noAutofit/>
-          </a:bodyPr>
-          <a:lstStyle/>
-          <a:p>
-            <a:pPr lvl="0" rtl="0">
-              <a:spcBef>
-                <a:spcPts val="0"/>
-              </a:spcBef>
-              <a:buNone/>
-            </a:pPr>
-            <a:endParaRPr/>
-          </a:p>
-        </p:txBody>
-      </p:sp>
-    </p:spTree>
-  </p:cSld>
-  <p:clrMapOvr>
-    <a:masterClrMapping/>
-  </p:clrMapOvr>
-</p:notes>
-</file>
-
-<file path=ppt/notesSlides/notesSlide16.xml><?xml version="1.0" encoding="utf-8"?>
 <p:notes xmlns:a="http://schemas.openxmlformats.org/drawingml/2006/main" xmlns:r="http://schemas.openxmlformats.org/officeDocument/2006/relationships" xmlns:p="http://schemas.openxmlformats.org/presentationml/2006/main" showMasterSp="0" showMasterPhAnim="0">
   <p:cSld>
     <p:spTree>
@@ -1304,108 +905,7 @@
 </p:notes>
 </file>
 
-<file path=ppt/notesSlides/notesSlide17.xml><?xml version="1.0" encoding="utf-8"?>
-<p:notes xmlns:a="http://schemas.openxmlformats.org/drawingml/2006/main" xmlns:r="http://schemas.openxmlformats.org/officeDocument/2006/relationships" xmlns:p="http://schemas.openxmlformats.org/presentationml/2006/main" showMasterSp="0" showMasterPhAnim="0">
-  <p:cSld>
-    <p:spTree>
-      <p:nvGrpSpPr>
-        <p:cNvPr id="1" name="Shape 156"/>
-        <p:cNvGrpSpPr/>
-        <p:nvPr/>
-      </p:nvGrpSpPr>
-      <p:grpSpPr>
-        <a:xfrm>
-          <a:off x="0" y="0"/>
-          <a:ext cx="0" cy="0"/>
-          <a:chOff x="0" y="0"/>
-          <a:chExt cx="0" cy="0"/>
-        </a:xfrm>
-      </p:grpSpPr>
-      <p:sp>
-        <p:nvSpPr>
-          <p:cNvPr id="157" name="Shape 157"/>
-          <p:cNvSpPr>
-            <a:spLocks noGrp="1" noRot="1" noChangeAspect="1"/>
-          </p:cNvSpPr>
-          <p:nvPr>
-            <p:ph type="sldImg" idx="2"/>
-          </p:nvPr>
-        </p:nvSpPr>
-        <p:spPr>
-          <a:xfrm>
-            <a:off x="381000" y="685800"/>
-            <a:ext cx="6096000" cy="3429000"/>
-          </a:xfrm>
-          <a:custGeom>
-            <a:avLst/>
-            <a:gdLst/>
-            <a:ahLst/>
-            <a:cxnLst/>
-            <a:rect l="0" t="0" r="0" b="0"/>
-            <a:pathLst>
-              <a:path w="120000" h="120000" extrusionOk="0">
-                <a:moveTo>
-                  <a:pt x="0" y="0"/>
-                </a:moveTo>
-                <a:lnTo>
-                  <a:pt x="120000" y="0"/>
-                </a:lnTo>
-                <a:lnTo>
-                  <a:pt x="120000" y="120000"/>
-                </a:lnTo>
-                <a:lnTo>
-                  <a:pt x="0" y="120000"/>
-                </a:lnTo>
-                <a:close/>
-              </a:path>
-            </a:pathLst>
-          </a:custGeom>
-        </p:spPr>
-      </p:sp>
-      <p:sp>
-        <p:nvSpPr>
-          <p:cNvPr id="158" name="Shape 158"/>
-          <p:cNvSpPr txBox="1">
-            <a:spLocks noGrp="1"/>
-          </p:cNvSpPr>
-          <p:nvPr>
-            <p:ph type="body" idx="1"/>
-          </p:nvPr>
-        </p:nvSpPr>
-        <p:spPr>
-          <a:xfrm>
-            <a:off x="685800" y="4343400"/>
-            <a:ext cx="5486400" cy="4114800"/>
-          </a:xfrm>
-          <a:prstGeom prst="rect">
-            <a:avLst/>
-          </a:prstGeom>
-        </p:spPr>
-        <p:txBody>
-          <a:bodyPr lIns="91425" tIns="91425" rIns="91425" bIns="91425" anchor="t" anchorCtr="0">
-            <a:noAutofit/>
-          </a:bodyPr>
-          <a:lstStyle/>
-          <a:p>
-            <a:pPr lvl="0" rtl="0">
-              <a:spcBef>
-                <a:spcPts val="0"/>
-              </a:spcBef>
-              <a:buNone/>
-            </a:pPr>
-            <a:endParaRPr/>
-          </a:p>
-        </p:txBody>
-      </p:sp>
-    </p:spTree>
-  </p:cSld>
-  <p:clrMapOvr>
-    <a:masterClrMapping/>
-  </p:clrMapOvr>
-</p:notes>
-</file>
-
-<file path=ppt/notesSlides/notesSlide18.xml><?xml version="1.0" encoding="utf-8"?>
+<file path=ppt/notesSlides/notesSlide13.xml><?xml version="1.0" encoding="utf-8"?>
 <p:notes xmlns:a="http://schemas.openxmlformats.org/drawingml/2006/main" xmlns:r="http://schemas.openxmlformats.org/officeDocument/2006/relationships" xmlns:p="http://schemas.openxmlformats.org/presentationml/2006/main" showMasterSp="0" showMasterPhAnim="0">
   <p:cSld>
     <p:spTree>
@@ -5651,7 +5151,7 @@
         </p:nvSpPr>
         <p:spPr>
           <a:xfrm>
-            <a:off x="193375" y="1980600"/>
+            <a:off x="193375" y="1869763"/>
             <a:ext cx="8520600" cy="1182300"/>
           </a:xfrm>
           <a:prstGeom prst="rect">
@@ -5671,13 +5171,22 @@
               <a:buNone/>
             </a:pPr>
             <a:r>
-              <a:rPr lang="pt-BR" sz="7800" b="1">
-                <a:latin typeface="Courier New"/>
-                <a:ea typeface="Courier New"/>
-                <a:cs typeface="Courier New"/>
-                <a:sym typeface="Courier New"/>
-              </a:rPr>
-              <a:t>Trie</a:t>
+              <a:rPr lang="pt-BR" sz="4800" b="1" dirty="0" err="1">
+                <a:latin typeface="Courier New"/>
+                <a:ea typeface="Courier New"/>
+                <a:cs typeface="Courier New"/>
+                <a:sym typeface="Courier New"/>
+              </a:rPr>
+              <a:t>AutoComplete</a:t>
+            </a:r>
+            <a:r>
+              <a:rPr lang="pt-BR" sz="4800" b="1" dirty="0">
+                <a:latin typeface="Courier New"/>
+                <a:ea typeface="Courier New"/>
+                <a:cs typeface="Courier New"/>
+                <a:sym typeface="Courier New"/>
+              </a:rPr>
+              <a:t> com Trie</a:t>
             </a:r>
           </a:p>
         </p:txBody>
@@ -5714,7 +5223,7 @@
               <a:buNone/>
             </a:pPr>
             <a:r>
-              <a:rPr lang="pt-BR"/>
+              <a:rPr lang="pt-BR" dirty="0"/>
               <a:t>Bacharelado em Ciência da Computação</a:t>
             </a:r>
           </a:p>
@@ -5726,7 +5235,7 @@
               <a:buNone/>
             </a:pPr>
             <a:r>
-              <a:rPr lang="pt-BR"/>
+              <a:rPr lang="pt-BR" dirty="0"/>
               <a:t>Universidade Federal do ABC</a:t>
             </a:r>
           </a:p>
@@ -5737,17 +5246,17 @@
               </a:spcBef>
               <a:buNone/>
             </a:pPr>
-            <a:endParaRPr sz="2000"/>
-          </a:p>
-          <a:p>
-            <a:pPr lvl="0" rtl="0">
-              <a:spcBef>
-                <a:spcPts val="0"/>
-              </a:spcBef>
-              <a:buNone/>
-            </a:pPr>
-            <a:r>
-              <a:rPr lang="pt-BR" sz="2000" i="1"/>
+            <a:endParaRPr sz="2000" dirty="0"/>
+          </a:p>
+          <a:p>
+            <a:pPr lvl="0" rtl="0">
+              <a:spcBef>
+                <a:spcPts val="0"/>
+              </a:spcBef>
+              <a:buNone/>
+            </a:pPr>
+            <a:r>
+              <a:rPr lang="pt-BR" sz="2000" i="1" dirty="0"/>
               <a:t>Algoritmos e Estruturas de Dados II</a:t>
             </a:r>
           </a:p>
@@ -5758,16 +5267,16 @@
               </a:spcBef>
               <a:buNone/>
             </a:pPr>
-            <a:endParaRPr/>
-          </a:p>
-          <a:p>
-            <a:pPr lvl="0" rtl="0">
-              <a:spcBef>
-                <a:spcPts val="0"/>
-              </a:spcBef>
-              <a:buNone/>
-            </a:pPr>
-            <a:endParaRPr/>
+            <a:endParaRPr dirty="0"/>
+          </a:p>
+          <a:p>
+            <a:pPr lvl="0" rtl="0">
+              <a:spcBef>
+                <a:spcPts val="0"/>
+              </a:spcBef>
+              <a:buNone/>
+            </a:pPr>
+            <a:endParaRPr dirty="0"/>
           </a:p>
         </p:txBody>
       </p:sp>
@@ -6835,6 +6344,65 @@
   <p:cSld>
     <p:spTree>
       <p:nvGrpSpPr>
+        <p:cNvPr id="1" name="Shape 159"/>
+        <p:cNvGrpSpPr/>
+        <p:nvPr/>
+      </p:nvGrpSpPr>
+      <p:grpSpPr>
+        <a:xfrm>
+          <a:off x="0" y="0"/>
+          <a:ext cx="0" cy="0"/>
+          <a:chOff x="0" y="0"/>
+          <a:chExt cx="0" cy="0"/>
+        </a:xfrm>
+      </p:grpSpPr>
+      <p:pic>
+        <p:nvPicPr>
+          <p:cNvPr id="160" name="Shape 160"/>
+          <p:cNvPicPr preferRelativeResize="0"/>
+          <p:nvPr/>
+        </p:nvPicPr>
+        <p:blipFill>
+          <a:blip r:embed="rId3">
+            <a:alphaModFix/>
+          </a:blip>
+          <a:stretch>
+            <a:fillRect/>
+          </a:stretch>
+        </p:blipFill>
+        <p:spPr>
+          <a:xfrm>
+            <a:off x="1152550" y="152400"/>
+            <a:ext cx="6838892" cy="4838700"/>
+          </a:xfrm>
+          <a:prstGeom prst="rect">
+            <a:avLst/>
+          </a:prstGeom>
+          <a:noFill/>
+          <a:ln w="9525" cap="flat" cmpd="sng">
+            <a:solidFill>
+              <a:srgbClr val="000000"/>
+            </a:solidFill>
+            <a:prstDash val="solid"/>
+            <a:round/>
+            <a:headEnd type="none" w="med" len="med"/>
+            <a:tailEnd type="none" w="med" len="med"/>
+          </a:ln>
+        </p:spPr>
+      </p:pic>
+    </p:spTree>
+  </p:cSld>
+  <p:clrMapOvr>
+    <a:masterClrMapping/>
+  </p:clrMapOvr>
+</p:sld>
+</file>
+
+<file path=ppt/slides/slide13.xml><?xml version="1.0" encoding="utf-8"?>
+<p:sld xmlns:a="http://schemas.openxmlformats.org/drawingml/2006/main" xmlns:r="http://schemas.openxmlformats.org/officeDocument/2006/relationships" xmlns:p="http://schemas.openxmlformats.org/presentationml/2006/main">
+  <p:cSld>
+    <p:spTree>
+      <p:nvGrpSpPr>
         <p:cNvPr id="1" name="Shape 116"/>
         <p:cNvGrpSpPr/>
         <p:nvPr/>
@@ -6889,2138 +6457,7 @@
 </p:sld>
 </file>
 
-<file path=ppt/slides/slide13.xml><?xml version="1.0" encoding="utf-8"?>
-<p:sld xmlns:a="http://schemas.openxmlformats.org/drawingml/2006/main" xmlns:r="http://schemas.openxmlformats.org/officeDocument/2006/relationships" xmlns:p="http://schemas.openxmlformats.org/presentationml/2006/main">
-  <p:cSld>
-    <p:spTree>
-      <p:nvGrpSpPr>
-        <p:cNvPr id="1" name="Shape 121"/>
-        <p:cNvGrpSpPr/>
-        <p:nvPr/>
-      </p:nvGrpSpPr>
-      <p:grpSpPr>
-        <a:xfrm>
-          <a:off x="0" y="0"/>
-          <a:ext cx="0" cy="0"/>
-          <a:chOff x="0" y="0"/>
-          <a:chExt cx="0" cy="0"/>
-        </a:xfrm>
-      </p:grpSpPr>
-      <p:sp>
-        <p:nvSpPr>
-          <p:cNvPr id="122" name="Shape 122"/>
-          <p:cNvSpPr txBox="1"/>
-          <p:nvPr/>
-        </p:nvSpPr>
-        <p:spPr>
-          <a:xfrm>
-            <a:off x="403700" y="149700"/>
-            <a:ext cx="1642500" cy="4844100"/>
-          </a:xfrm>
-          <a:prstGeom prst="rect">
-            <a:avLst/>
-          </a:prstGeom>
-          <a:noFill/>
-          <a:ln>
-            <a:noFill/>
-          </a:ln>
-        </p:spPr>
-        <p:txBody>
-          <a:bodyPr lIns="91425" tIns="91425" rIns="91425" bIns="91425" anchor="ctr" anchorCtr="0">
-            <a:noAutofit/>
-          </a:bodyPr>
-          <a:lstStyle/>
-          <a:p>
-            <a:pPr lvl="0" rtl="0">
-              <a:spcBef>
-                <a:spcPts val="0"/>
-              </a:spcBef>
-              <a:buNone/>
-            </a:pPr>
-            <a:r>
-              <a:rPr lang="pt-BR" sz="2200" b="1">
-                <a:solidFill>
-                  <a:schemeClr val="dk1"/>
-                </a:solidFill>
-                <a:latin typeface="Courier New"/>
-                <a:ea typeface="Courier New"/>
-                <a:cs typeface="Courier New"/>
-                <a:sym typeface="Courier New"/>
-              </a:rPr>
-              <a:t>t</a:t>
-            </a:r>
-            <a:r>
-              <a:rPr lang="pt-BR" sz="2200" b="1">
-                <a:latin typeface="Courier New"/>
-                <a:ea typeface="Courier New"/>
-                <a:cs typeface="Courier New"/>
-                <a:sym typeface="Courier New"/>
-              </a:rPr>
-              <a:t>ry,</a:t>
-            </a:r>
-          </a:p>
-          <a:p>
-            <a:pPr lvl="0" rtl="0">
-              <a:spcBef>
-                <a:spcPts val="0"/>
-              </a:spcBef>
-              <a:buNone/>
-            </a:pPr>
-            <a:r>
-              <a:rPr lang="pt-BR" sz="2200" b="1">
-                <a:solidFill>
-                  <a:schemeClr val="dk1"/>
-                </a:solidFill>
-                <a:latin typeface="Courier New"/>
-                <a:ea typeface="Courier New"/>
-                <a:cs typeface="Courier New"/>
-                <a:sym typeface="Courier New"/>
-              </a:rPr>
-              <a:t>t</a:t>
-            </a:r>
-            <a:r>
-              <a:rPr lang="pt-BR" sz="2200" b="1">
-                <a:latin typeface="Courier New"/>
-                <a:ea typeface="Courier New"/>
-                <a:cs typeface="Courier New"/>
-                <a:sym typeface="Courier New"/>
-              </a:rPr>
-              <a:t>runk, </a:t>
-            </a:r>
-          </a:p>
-          <a:p>
-            <a:pPr lvl="0" rtl="0">
-              <a:spcBef>
-                <a:spcPts val="0"/>
-              </a:spcBef>
-              <a:buNone/>
-            </a:pPr>
-            <a:r>
-              <a:rPr lang="pt-BR" sz="2200" b="1">
-                <a:solidFill>
-                  <a:schemeClr val="dk1"/>
-                </a:solidFill>
-                <a:latin typeface="Courier New"/>
-                <a:ea typeface="Courier New"/>
-                <a:cs typeface="Courier New"/>
-                <a:sym typeface="Courier New"/>
-              </a:rPr>
-              <a:t>t</a:t>
-            </a:r>
-            <a:r>
-              <a:rPr lang="pt-BR" sz="2200" b="1">
-                <a:latin typeface="Courier New"/>
-                <a:ea typeface="Courier New"/>
-                <a:cs typeface="Courier New"/>
-                <a:sym typeface="Courier New"/>
-              </a:rPr>
-              <a:t>rie, </a:t>
-            </a:r>
-          </a:p>
-          <a:p>
-            <a:pPr lvl="0" rtl="0">
-              <a:spcBef>
-                <a:spcPts val="0"/>
-              </a:spcBef>
-              <a:buNone/>
-            </a:pPr>
-            <a:r>
-              <a:rPr lang="pt-BR" sz="2200" b="1">
-                <a:solidFill>
-                  <a:schemeClr val="dk1"/>
-                </a:solidFill>
-                <a:latin typeface="Courier New"/>
-                <a:ea typeface="Courier New"/>
-                <a:cs typeface="Courier New"/>
-                <a:sym typeface="Courier New"/>
-              </a:rPr>
-              <a:t>t</a:t>
-            </a:r>
-            <a:r>
-              <a:rPr lang="pt-BR" sz="2200" b="1">
-                <a:latin typeface="Courier New"/>
-                <a:ea typeface="Courier New"/>
-                <a:cs typeface="Courier New"/>
-                <a:sym typeface="Courier New"/>
-              </a:rPr>
-              <a:t>ree, </a:t>
-            </a:r>
-          </a:p>
-          <a:p>
-            <a:pPr lvl="0" rtl="0">
-              <a:spcBef>
-                <a:spcPts val="0"/>
-              </a:spcBef>
-              <a:buNone/>
-            </a:pPr>
-            <a:r>
-              <a:rPr lang="pt-BR" sz="2200" b="1">
-                <a:solidFill>
-                  <a:schemeClr val="dk1"/>
-                </a:solidFill>
-                <a:latin typeface="Courier New"/>
-                <a:ea typeface="Courier New"/>
-                <a:cs typeface="Courier New"/>
-                <a:sym typeface="Courier New"/>
-              </a:rPr>
-              <a:t>t</a:t>
-            </a:r>
-            <a:r>
-              <a:rPr lang="pt-BR" sz="2200" b="1">
-                <a:latin typeface="Courier New"/>
-                <a:ea typeface="Courier New"/>
-                <a:cs typeface="Courier New"/>
-                <a:sym typeface="Courier New"/>
-              </a:rPr>
-              <a:t>ray, </a:t>
-            </a:r>
-          </a:p>
-          <a:p>
-            <a:pPr lvl="0" rtl="0">
-              <a:spcBef>
-                <a:spcPts val="0"/>
-              </a:spcBef>
-              <a:buNone/>
-            </a:pPr>
-            <a:r>
-              <a:rPr lang="pt-BR" sz="2200" b="1">
-                <a:solidFill>
-                  <a:schemeClr val="dk1"/>
-                </a:solidFill>
-                <a:latin typeface="Courier New"/>
-                <a:ea typeface="Courier New"/>
-                <a:cs typeface="Courier New"/>
-                <a:sym typeface="Courier New"/>
-              </a:rPr>
-              <a:t>t</a:t>
-            </a:r>
-            <a:r>
-              <a:rPr lang="pt-BR" sz="2200" b="1">
-                <a:latin typeface="Courier New"/>
-                <a:ea typeface="Courier New"/>
-                <a:cs typeface="Courier New"/>
-                <a:sym typeface="Courier New"/>
-              </a:rPr>
-              <a:t>ram, </a:t>
-            </a:r>
-          </a:p>
-          <a:p>
-            <a:pPr lvl="0" rtl="0">
-              <a:spcBef>
-                <a:spcPts val="0"/>
-              </a:spcBef>
-              <a:buNone/>
-            </a:pPr>
-            <a:r>
-              <a:rPr lang="pt-BR" sz="2200" b="1">
-                <a:solidFill>
-                  <a:schemeClr val="dk1"/>
-                </a:solidFill>
-                <a:latin typeface="Courier New"/>
-                <a:ea typeface="Courier New"/>
-                <a:cs typeface="Courier New"/>
-                <a:sym typeface="Courier New"/>
-              </a:rPr>
-              <a:t>t</a:t>
-            </a:r>
-            <a:r>
-              <a:rPr lang="pt-BR" sz="2200" b="1">
-                <a:latin typeface="Courier New"/>
-                <a:ea typeface="Courier New"/>
-                <a:cs typeface="Courier New"/>
-                <a:sym typeface="Courier New"/>
-              </a:rPr>
-              <a:t>raitor,</a:t>
-            </a:r>
-          </a:p>
-          <a:p>
-            <a:pPr lvl="0" rtl="0">
-              <a:spcBef>
-                <a:spcPts val="0"/>
-              </a:spcBef>
-              <a:buNone/>
-            </a:pPr>
-            <a:r>
-              <a:rPr lang="pt-BR" sz="2200" b="1">
-                <a:solidFill>
-                  <a:schemeClr val="dk1"/>
-                </a:solidFill>
-                <a:latin typeface="Courier New"/>
-                <a:ea typeface="Courier New"/>
-                <a:cs typeface="Courier New"/>
-                <a:sym typeface="Courier New"/>
-              </a:rPr>
-              <a:t>t</a:t>
-            </a:r>
-            <a:r>
-              <a:rPr lang="pt-BR" sz="2200" b="1">
-                <a:latin typeface="Courier New"/>
-                <a:ea typeface="Courier New"/>
-                <a:cs typeface="Courier New"/>
-                <a:sym typeface="Courier New"/>
-              </a:rPr>
-              <a:t>rait, </a:t>
-            </a:r>
-          </a:p>
-          <a:p>
-            <a:pPr lvl="0" rtl="0">
-              <a:spcBef>
-                <a:spcPts val="0"/>
-              </a:spcBef>
-              <a:buNone/>
-            </a:pPr>
-            <a:r>
-              <a:rPr lang="pt-BR" sz="2200" b="1">
-                <a:solidFill>
-                  <a:schemeClr val="dk1"/>
-                </a:solidFill>
-                <a:latin typeface="Courier New"/>
-                <a:ea typeface="Courier New"/>
-                <a:cs typeface="Courier New"/>
-                <a:sym typeface="Courier New"/>
-              </a:rPr>
-              <a:t>t</a:t>
-            </a:r>
-            <a:r>
-              <a:rPr lang="pt-BR" sz="2200" b="1">
-                <a:latin typeface="Courier New"/>
-                <a:ea typeface="Courier New"/>
-                <a:cs typeface="Courier New"/>
-                <a:sym typeface="Courier New"/>
-              </a:rPr>
-              <a:t>rainee, </a:t>
-            </a:r>
-          </a:p>
-          <a:p>
-            <a:pPr lvl="0" rtl="0">
-              <a:spcBef>
-                <a:spcPts val="0"/>
-              </a:spcBef>
-              <a:buNone/>
-            </a:pPr>
-            <a:r>
-              <a:rPr lang="pt-BR" sz="2200" b="1">
-                <a:solidFill>
-                  <a:schemeClr val="dk1"/>
-                </a:solidFill>
-                <a:latin typeface="Courier New"/>
-                <a:ea typeface="Courier New"/>
-                <a:cs typeface="Courier New"/>
-                <a:sym typeface="Courier New"/>
-              </a:rPr>
-              <a:t>t</a:t>
-            </a:r>
-            <a:r>
-              <a:rPr lang="pt-BR" sz="2200" b="1">
-                <a:latin typeface="Courier New"/>
-                <a:ea typeface="Courier New"/>
-                <a:cs typeface="Courier New"/>
-                <a:sym typeface="Courier New"/>
-              </a:rPr>
-              <a:t>rain, </a:t>
-            </a:r>
-          </a:p>
-          <a:p>
-            <a:pPr lvl="0" rtl="0">
-              <a:spcBef>
-                <a:spcPts val="0"/>
-              </a:spcBef>
-              <a:buNone/>
-            </a:pPr>
-            <a:r>
-              <a:rPr lang="pt-BR" sz="2200" b="1">
-                <a:latin typeface="Courier New"/>
-                <a:ea typeface="Courier New"/>
-                <a:cs typeface="Courier New"/>
-                <a:sym typeface="Courier New"/>
-              </a:rPr>
-              <a:t>tap, </a:t>
-            </a:r>
-          </a:p>
-          <a:p>
-            <a:pPr lvl="0" rtl="0">
-              <a:spcBef>
-                <a:spcPts val="0"/>
-              </a:spcBef>
-              <a:buNone/>
-            </a:pPr>
-            <a:r>
-              <a:rPr lang="pt-BR" sz="2200" b="1">
-                <a:latin typeface="Courier New"/>
-                <a:ea typeface="Courier New"/>
-                <a:cs typeface="Courier New"/>
-                <a:sym typeface="Courier New"/>
-              </a:rPr>
-              <a:t>datum,</a:t>
-            </a:r>
-          </a:p>
-          <a:p>
-            <a:pPr lvl="0" rtl="0">
-              <a:spcBef>
-                <a:spcPts val="0"/>
-              </a:spcBef>
-              <a:buNone/>
-            </a:pPr>
-            <a:r>
-              <a:rPr lang="pt-BR" sz="2200" b="1">
-                <a:latin typeface="Courier New"/>
-                <a:ea typeface="Courier New"/>
-                <a:cs typeface="Courier New"/>
-                <a:sym typeface="Courier New"/>
-              </a:rPr>
-              <a:t>date,</a:t>
-            </a:r>
-          </a:p>
-          <a:p>
-            <a:pPr lvl="0" rtl="0">
-              <a:spcBef>
-                <a:spcPts val="0"/>
-              </a:spcBef>
-              <a:buNone/>
-            </a:pPr>
-            <a:r>
-              <a:rPr lang="pt-BR" sz="2200" b="1">
-                <a:latin typeface="Courier New"/>
-                <a:ea typeface="Courier New"/>
-                <a:cs typeface="Courier New"/>
-                <a:sym typeface="Courier New"/>
-              </a:rPr>
-              <a:t>date</a:t>
-            </a:r>
-          </a:p>
-        </p:txBody>
-      </p:sp>
-      <p:sp>
-        <p:nvSpPr>
-          <p:cNvPr id="123" name="Shape 123"/>
-          <p:cNvSpPr txBox="1"/>
-          <p:nvPr/>
-        </p:nvSpPr>
-        <p:spPr>
-          <a:xfrm>
-            <a:off x="1955150" y="149700"/>
-            <a:ext cx="4510200" cy="859500"/>
-          </a:xfrm>
-          <a:prstGeom prst="rect">
-            <a:avLst/>
-          </a:prstGeom>
-          <a:noFill/>
-          <a:ln>
-            <a:noFill/>
-          </a:ln>
-        </p:spPr>
-        <p:txBody>
-          <a:bodyPr lIns="91425" tIns="91425" rIns="91425" bIns="91425" anchor="t" anchorCtr="0">
-            <a:noAutofit/>
-          </a:bodyPr>
-          <a:lstStyle/>
-          <a:p>
-            <a:pPr lvl="0" rtl="0">
-              <a:spcBef>
-                <a:spcPts val="0"/>
-              </a:spcBef>
-              <a:buNone/>
-            </a:pPr>
-            <a:r>
-              <a:rPr lang="pt-BR" sz="3900" b="1">
-                <a:latin typeface="Courier New"/>
-                <a:ea typeface="Courier New"/>
-                <a:cs typeface="Courier New"/>
-                <a:sym typeface="Courier New"/>
-              </a:rPr>
-              <a:t>trunk</a:t>
-            </a:r>
-          </a:p>
-          <a:p>
-            <a:pPr lvl="0" rtl="0">
-              <a:spcBef>
-                <a:spcPts val="0"/>
-              </a:spcBef>
-              <a:buNone/>
-            </a:pPr>
-            <a:endParaRPr sz="2200" b="1">
-              <a:latin typeface="Courier New"/>
-              <a:ea typeface="Courier New"/>
-              <a:cs typeface="Courier New"/>
-              <a:sym typeface="Courier New"/>
-            </a:endParaRPr>
-          </a:p>
-        </p:txBody>
-      </p:sp>
-      <p:pic>
-        <p:nvPicPr>
-          <p:cNvPr id="124" name="Shape 124"/>
-          <p:cNvPicPr preferRelativeResize="0"/>
-          <p:nvPr/>
-        </p:nvPicPr>
-        <p:blipFill>
-          <a:blip r:embed="rId3">
-            <a:alphaModFix/>
-          </a:blip>
-          <a:stretch>
-            <a:fillRect/>
-          </a:stretch>
-        </p:blipFill>
-        <p:spPr>
-          <a:xfrm>
-            <a:off x="2198600" y="1161600"/>
-            <a:ext cx="5761345" cy="3829499"/>
-          </a:xfrm>
-          <a:prstGeom prst="rect">
-            <a:avLst/>
-          </a:prstGeom>
-          <a:noFill/>
-          <a:ln>
-            <a:noFill/>
-          </a:ln>
-        </p:spPr>
-      </p:pic>
-    </p:spTree>
-  </p:cSld>
-  <p:clrMapOvr>
-    <a:masterClrMapping/>
-  </p:clrMapOvr>
-</p:sld>
-</file>
-
 <file path=ppt/slides/slide14.xml><?xml version="1.0" encoding="utf-8"?>
-<p:sld xmlns:a="http://schemas.openxmlformats.org/drawingml/2006/main" xmlns:r="http://schemas.openxmlformats.org/officeDocument/2006/relationships" xmlns:p="http://schemas.openxmlformats.org/presentationml/2006/main">
-  <p:cSld>
-    <p:spTree>
-      <p:nvGrpSpPr>
-        <p:cNvPr id="1" name="Shape 128"/>
-        <p:cNvGrpSpPr/>
-        <p:nvPr/>
-      </p:nvGrpSpPr>
-      <p:grpSpPr>
-        <a:xfrm>
-          <a:off x="0" y="0"/>
-          <a:ext cx="0" cy="0"/>
-          <a:chOff x="0" y="0"/>
-          <a:chExt cx="0" cy="0"/>
-        </a:xfrm>
-      </p:grpSpPr>
-      <p:sp>
-        <p:nvSpPr>
-          <p:cNvPr id="129" name="Shape 129"/>
-          <p:cNvSpPr txBox="1"/>
-          <p:nvPr/>
-        </p:nvSpPr>
-        <p:spPr>
-          <a:xfrm>
-            <a:off x="403700" y="149700"/>
-            <a:ext cx="1642500" cy="4844100"/>
-          </a:xfrm>
-          <a:prstGeom prst="rect">
-            <a:avLst/>
-          </a:prstGeom>
-          <a:noFill/>
-          <a:ln>
-            <a:noFill/>
-          </a:ln>
-        </p:spPr>
-        <p:txBody>
-          <a:bodyPr lIns="91425" tIns="91425" rIns="91425" bIns="91425" anchor="ctr" anchorCtr="0">
-            <a:noAutofit/>
-          </a:bodyPr>
-          <a:lstStyle/>
-          <a:p>
-            <a:pPr lvl="0" rtl="0">
-              <a:spcBef>
-                <a:spcPts val="0"/>
-              </a:spcBef>
-              <a:buNone/>
-            </a:pPr>
-            <a:r>
-              <a:rPr lang="pt-BR" sz="2200" b="1">
-                <a:solidFill>
-                  <a:srgbClr val="FF0000"/>
-                </a:solidFill>
-                <a:latin typeface="Courier New"/>
-                <a:ea typeface="Courier New"/>
-                <a:cs typeface="Courier New"/>
-                <a:sym typeface="Courier New"/>
-              </a:rPr>
-              <a:t>t</a:t>
-            </a:r>
-            <a:r>
-              <a:rPr lang="pt-BR" sz="2200" b="1">
-                <a:latin typeface="Courier New"/>
-                <a:ea typeface="Courier New"/>
-                <a:cs typeface="Courier New"/>
-                <a:sym typeface="Courier New"/>
-              </a:rPr>
-              <a:t>ry,</a:t>
-            </a:r>
-          </a:p>
-          <a:p>
-            <a:pPr lvl="0" rtl="0">
-              <a:spcBef>
-                <a:spcPts val="0"/>
-              </a:spcBef>
-              <a:buNone/>
-            </a:pPr>
-            <a:r>
-              <a:rPr lang="pt-BR" sz="2200" b="1">
-                <a:solidFill>
-                  <a:srgbClr val="FF0000"/>
-                </a:solidFill>
-                <a:latin typeface="Courier New"/>
-                <a:ea typeface="Courier New"/>
-                <a:cs typeface="Courier New"/>
-                <a:sym typeface="Courier New"/>
-              </a:rPr>
-              <a:t>t</a:t>
-            </a:r>
-            <a:r>
-              <a:rPr lang="pt-BR" sz="2200" b="1">
-                <a:latin typeface="Courier New"/>
-                <a:ea typeface="Courier New"/>
-                <a:cs typeface="Courier New"/>
-                <a:sym typeface="Courier New"/>
-              </a:rPr>
-              <a:t>runk, </a:t>
-            </a:r>
-          </a:p>
-          <a:p>
-            <a:pPr lvl="0" rtl="0">
-              <a:spcBef>
-                <a:spcPts val="0"/>
-              </a:spcBef>
-              <a:buNone/>
-            </a:pPr>
-            <a:r>
-              <a:rPr lang="pt-BR" sz="2200" b="1">
-                <a:solidFill>
-                  <a:srgbClr val="FF0000"/>
-                </a:solidFill>
-                <a:latin typeface="Courier New"/>
-                <a:ea typeface="Courier New"/>
-                <a:cs typeface="Courier New"/>
-                <a:sym typeface="Courier New"/>
-              </a:rPr>
-              <a:t>t</a:t>
-            </a:r>
-            <a:r>
-              <a:rPr lang="pt-BR" sz="2200" b="1">
-                <a:latin typeface="Courier New"/>
-                <a:ea typeface="Courier New"/>
-                <a:cs typeface="Courier New"/>
-                <a:sym typeface="Courier New"/>
-              </a:rPr>
-              <a:t>rie, </a:t>
-            </a:r>
-          </a:p>
-          <a:p>
-            <a:pPr lvl="0" rtl="0">
-              <a:spcBef>
-                <a:spcPts val="0"/>
-              </a:spcBef>
-              <a:buNone/>
-            </a:pPr>
-            <a:r>
-              <a:rPr lang="pt-BR" sz="2200" b="1">
-                <a:solidFill>
-                  <a:srgbClr val="FF0000"/>
-                </a:solidFill>
-                <a:latin typeface="Courier New"/>
-                <a:ea typeface="Courier New"/>
-                <a:cs typeface="Courier New"/>
-                <a:sym typeface="Courier New"/>
-              </a:rPr>
-              <a:t>t</a:t>
-            </a:r>
-            <a:r>
-              <a:rPr lang="pt-BR" sz="2200" b="1">
-                <a:latin typeface="Courier New"/>
-                <a:ea typeface="Courier New"/>
-                <a:cs typeface="Courier New"/>
-                <a:sym typeface="Courier New"/>
-              </a:rPr>
-              <a:t>ree, </a:t>
-            </a:r>
-          </a:p>
-          <a:p>
-            <a:pPr lvl="0" rtl="0">
-              <a:spcBef>
-                <a:spcPts val="0"/>
-              </a:spcBef>
-              <a:buNone/>
-            </a:pPr>
-            <a:r>
-              <a:rPr lang="pt-BR" sz="2200" b="1">
-                <a:solidFill>
-                  <a:srgbClr val="FF0000"/>
-                </a:solidFill>
-                <a:latin typeface="Courier New"/>
-                <a:ea typeface="Courier New"/>
-                <a:cs typeface="Courier New"/>
-                <a:sym typeface="Courier New"/>
-              </a:rPr>
-              <a:t>t</a:t>
-            </a:r>
-            <a:r>
-              <a:rPr lang="pt-BR" sz="2200" b="1">
-                <a:latin typeface="Courier New"/>
-                <a:ea typeface="Courier New"/>
-                <a:cs typeface="Courier New"/>
-                <a:sym typeface="Courier New"/>
-              </a:rPr>
-              <a:t>ray, </a:t>
-            </a:r>
-          </a:p>
-          <a:p>
-            <a:pPr lvl="0" rtl="0">
-              <a:spcBef>
-                <a:spcPts val="0"/>
-              </a:spcBef>
-              <a:buNone/>
-            </a:pPr>
-            <a:r>
-              <a:rPr lang="pt-BR" sz="2200" b="1">
-                <a:solidFill>
-                  <a:srgbClr val="FF0000"/>
-                </a:solidFill>
-                <a:latin typeface="Courier New"/>
-                <a:ea typeface="Courier New"/>
-                <a:cs typeface="Courier New"/>
-                <a:sym typeface="Courier New"/>
-              </a:rPr>
-              <a:t>t</a:t>
-            </a:r>
-            <a:r>
-              <a:rPr lang="pt-BR" sz="2200" b="1">
-                <a:latin typeface="Courier New"/>
-                <a:ea typeface="Courier New"/>
-                <a:cs typeface="Courier New"/>
-                <a:sym typeface="Courier New"/>
-              </a:rPr>
-              <a:t>ram, </a:t>
-            </a:r>
-          </a:p>
-          <a:p>
-            <a:pPr lvl="0" rtl="0">
-              <a:spcBef>
-                <a:spcPts val="0"/>
-              </a:spcBef>
-              <a:buNone/>
-            </a:pPr>
-            <a:r>
-              <a:rPr lang="pt-BR" sz="2200" b="1">
-                <a:solidFill>
-                  <a:srgbClr val="FF0000"/>
-                </a:solidFill>
-                <a:latin typeface="Courier New"/>
-                <a:ea typeface="Courier New"/>
-                <a:cs typeface="Courier New"/>
-                <a:sym typeface="Courier New"/>
-              </a:rPr>
-              <a:t>t</a:t>
-            </a:r>
-            <a:r>
-              <a:rPr lang="pt-BR" sz="2200" b="1">
-                <a:latin typeface="Courier New"/>
-                <a:ea typeface="Courier New"/>
-                <a:cs typeface="Courier New"/>
-                <a:sym typeface="Courier New"/>
-              </a:rPr>
-              <a:t>raitor,</a:t>
-            </a:r>
-          </a:p>
-          <a:p>
-            <a:pPr lvl="0" rtl="0">
-              <a:spcBef>
-                <a:spcPts val="0"/>
-              </a:spcBef>
-              <a:buNone/>
-            </a:pPr>
-            <a:r>
-              <a:rPr lang="pt-BR" sz="2200" b="1">
-                <a:solidFill>
-                  <a:srgbClr val="FF0000"/>
-                </a:solidFill>
-                <a:latin typeface="Courier New"/>
-                <a:ea typeface="Courier New"/>
-                <a:cs typeface="Courier New"/>
-                <a:sym typeface="Courier New"/>
-              </a:rPr>
-              <a:t>t</a:t>
-            </a:r>
-            <a:r>
-              <a:rPr lang="pt-BR" sz="2200" b="1">
-                <a:latin typeface="Courier New"/>
-                <a:ea typeface="Courier New"/>
-                <a:cs typeface="Courier New"/>
-                <a:sym typeface="Courier New"/>
-              </a:rPr>
-              <a:t>rait, </a:t>
-            </a:r>
-          </a:p>
-          <a:p>
-            <a:pPr lvl="0" rtl="0">
-              <a:spcBef>
-                <a:spcPts val="0"/>
-              </a:spcBef>
-              <a:buNone/>
-            </a:pPr>
-            <a:r>
-              <a:rPr lang="pt-BR" sz="2200" b="1">
-                <a:solidFill>
-                  <a:srgbClr val="FF0000"/>
-                </a:solidFill>
-                <a:latin typeface="Courier New"/>
-                <a:ea typeface="Courier New"/>
-                <a:cs typeface="Courier New"/>
-                <a:sym typeface="Courier New"/>
-              </a:rPr>
-              <a:t>t</a:t>
-            </a:r>
-            <a:r>
-              <a:rPr lang="pt-BR" sz="2200" b="1">
-                <a:latin typeface="Courier New"/>
-                <a:ea typeface="Courier New"/>
-                <a:cs typeface="Courier New"/>
-                <a:sym typeface="Courier New"/>
-              </a:rPr>
-              <a:t>rainee, </a:t>
-            </a:r>
-          </a:p>
-          <a:p>
-            <a:pPr lvl="0" rtl="0">
-              <a:spcBef>
-                <a:spcPts val="0"/>
-              </a:spcBef>
-              <a:buNone/>
-            </a:pPr>
-            <a:r>
-              <a:rPr lang="pt-BR" sz="2200" b="1">
-                <a:solidFill>
-                  <a:srgbClr val="FF0000"/>
-                </a:solidFill>
-                <a:latin typeface="Courier New"/>
-                <a:ea typeface="Courier New"/>
-                <a:cs typeface="Courier New"/>
-                <a:sym typeface="Courier New"/>
-              </a:rPr>
-              <a:t>t</a:t>
-            </a:r>
-            <a:r>
-              <a:rPr lang="pt-BR" sz="2200" b="1">
-                <a:latin typeface="Courier New"/>
-                <a:ea typeface="Courier New"/>
-                <a:cs typeface="Courier New"/>
-                <a:sym typeface="Courier New"/>
-              </a:rPr>
-              <a:t>rain, </a:t>
-            </a:r>
-          </a:p>
-          <a:p>
-            <a:pPr lvl="0" rtl="0">
-              <a:spcBef>
-                <a:spcPts val="0"/>
-              </a:spcBef>
-              <a:buNone/>
-            </a:pPr>
-            <a:r>
-              <a:rPr lang="pt-BR" sz="2200" b="1">
-                <a:solidFill>
-                  <a:srgbClr val="FF0000"/>
-                </a:solidFill>
-                <a:latin typeface="Courier New"/>
-                <a:ea typeface="Courier New"/>
-                <a:cs typeface="Courier New"/>
-                <a:sym typeface="Courier New"/>
-              </a:rPr>
-              <a:t>t</a:t>
-            </a:r>
-            <a:r>
-              <a:rPr lang="pt-BR" sz="2200" b="1">
-                <a:latin typeface="Courier New"/>
-                <a:ea typeface="Courier New"/>
-                <a:cs typeface="Courier New"/>
-                <a:sym typeface="Courier New"/>
-              </a:rPr>
-              <a:t>ap, </a:t>
-            </a:r>
-          </a:p>
-          <a:p>
-            <a:pPr lvl="0" rtl="0">
-              <a:spcBef>
-                <a:spcPts val="0"/>
-              </a:spcBef>
-              <a:buNone/>
-            </a:pPr>
-            <a:r>
-              <a:rPr lang="pt-BR" sz="2200" b="1">
-                <a:solidFill>
-                  <a:srgbClr val="666666"/>
-                </a:solidFill>
-                <a:latin typeface="Courier New"/>
-                <a:ea typeface="Courier New"/>
-                <a:cs typeface="Courier New"/>
-                <a:sym typeface="Courier New"/>
-              </a:rPr>
-              <a:t>datum,</a:t>
-            </a:r>
-          </a:p>
-          <a:p>
-            <a:pPr lvl="0" rtl="0">
-              <a:spcBef>
-                <a:spcPts val="0"/>
-              </a:spcBef>
-              <a:buNone/>
-            </a:pPr>
-            <a:r>
-              <a:rPr lang="pt-BR" sz="2200" b="1">
-                <a:solidFill>
-                  <a:srgbClr val="666666"/>
-                </a:solidFill>
-                <a:latin typeface="Courier New"/>
-                <a:ea typeface="Courier New"/>
-                <a:cs typeface="Courier New"/>
-                <a:sym typeface="Courier New"/>
-              </a:rPr>
-              <a:t>date,</a:t>
-            </a:r>
-          </a:p>
-          <a:p>
-            <a:pPr lvl="0" rtl="0">
-              <a:spcBef>
-                <a:spcPts val="0"/>
-              </a:spcBef>
-              <a:buNone/>
-            </a:pPr>
-            <a:r>
-              <a:rPr lang="pt-BR" sz="2200" b="1">
-                <a:solidFill>
-                  <a:srgbClr val="666666"/>
-                </a:solidFill>
-                <a:latin typeface="Courier New"/>
-                <a:ea typeface="Courier New"/>
-                <a:cs typeface="Courier New"/>
-                <a:sym typeface="Courier New"/>
-              </a:rPr>
-              <a:t>date</a:t>
-            </a:r>
-          </a:p>
-        </p:txBody>
-      </p:sp>
-      <p:sp>
-        <p:nvSpPr>
-          <p:cNvPr id="130" name="Shape 130"/>
-          <p:cNvSpPr txBox="1"/>
-          <p:nvPr/>
-        </p:nvSpPr>
-        <p:spPr>
-          <a:xfrm>
-            <a:off x="1955150" y="149700"/>
-            <a:ext cx="4510200" cy="859500"/>
-          </a:xfrm>
-          <a:prstGeom prst="rect">
-            <a:avLst/>
-          </a:prstGeom>
-          <a:noFill/>
-          <a:ln>
-            <a:noFill/>
-          </a:ln>
-        </p:spPr>
-        <p:txBody>
-          <a:bodyPr lIns="91425" tIns="91425" rIns="91425" bIns="91425" anchor="t" anchorCtr="0">
-            <a:noAutofit/>
-          </a:bodyPr>
-          <a:lstStyle/>
-          <a:p>
-            <a:pPr lvl="0" rtl="0">
-              <a:spcBef>
-                <a:spcPts val="0"/>
-              </a:spcBef>
-              <a:buNone/>
-            </a:pPr>
-            <a:r>
-              <a:rPr lang="pt-BR" sz="3900" b="1">
-                <a:solidFill>
-                  <a:srgbClr val="FF0000"/>
-                </a:solidFill>
-                <a:latin typeface="Courier New"/>
-                <a:ea typeface="Courier New"/>
-                <a:cs typeface="Courier New"/>
-                <a:sym typeface="Courier New"/>
-              </a:rPr>
-              <a:t>t</a:t>
-            </a:r>
-            <a:r>
-              <a:rPr lang="pt-BR" sz="3900" b="1">
-                <a:latin typeface="Courier New"/>
-                <a:ea typeface="Courier New"/>
-                <a:cs typeface="Courier New"/>
-                <a:sym typeface="Courier New"/>
-              </a:rPr>
-              <a:t>runk</a:t>
-            </a:r>
-          </a:p>
-          <a:p>
-            <a:pPr lvl="0" rtl="0">
-              <a:spcBef>
-                <a:spcPts val="0"/>
-              </a:spcBef>
-              <a:buNone/>
-            </a:pPr>
-            <a:endParaRPr sz="2200" b="1">
-              <a:latin typeface="Courier New"/>
-              <a:ea typeface="Courier New"/>
-              <a:cs typeface="Courier New"/>
-              <a:sym typeface="Courier New"/>
-            </a:endParaRPr>
-          </a:p>
-        </p:txBody>
-      </p:sp>
-      <p:pic>
-        <p:nvPicPr>
-          <p:cNvPr id="131" name="Shape 131"/>
-          <p:cNvPicPr preferRelativeResize="0"/>
-          <p:nvPr/>
-        </p:nvPicPr>
-        <p:blipFill>
-          <a:blip r:embed="rId3">
-            <a:alphaModFix/>
-          </a:blip>
-          <a:stretch>
-            <a:fillRect/>
-          </a:stretch>
-        </p:blipFill>
-        <p:spPr>
-          <a:xfrm>
-            <a:off x="2198600" y="1161600"/>
-            <a:ext cx="5761345" cy="3829499"/>
-          </a:xfrm>
-          <a:prstGeom prst="rect">
-            <a:avLst/>
-          </a:prstGeom>
-          <a:noFill/>
-          <a:ln>
-            <a:noFill/>
-          </a:ln>
-        </p:spPr>
-      </p:pic>
-    </p:spTree>
-  </p:cSld>
-  <p:clrMapOvr>
-    <a:masterClrMapping/>
-  </p:clrMapOvr>
-</p:sld>
-</file>
-
-<file path=ppt/slides/slide15.xml><?xml version="1.0" encoding="utf-8"?>
-<p:sld xmlns:a="http://schemas.openxmlformats.org/drawingml/2006/main" xmlns:r="http://schemas.openxmlformats.org/officeDocument/2006/relationships" xmlns:p="http://schemas.openxmlformats.org/presentationml/2006/main">
-  <p:cSld>
-    <p:spTree>
-      <p:nvGrpSpPr>
-        <p:cNvPr id="1" name="Shape 135"/>
-        <p:cNvGrpSpPr/>
-        <p:nvPr/>
-      </p:nvGrpSpPr>
-      <p:grpSpPr>
-        <a:xfrm>
-          <a:off x="0" y="0"/>
-          <a:ext cx="0" cy="0"/>
-          <a:chOff x="0" y="0"/>
-          <a:chExt cx="0" cy="0"/>
-        </a:xfrm>
-      </p:grpSpPr>
-      <p:sp>
-        <p:nvSpPr>
-          <p:cNvPr id="136" name="Shape 136"/>
-          <p:cNvSpPr txBox="1"/>
-          <p:nvPr/>
-        </p:nvSpPr>
-        <p:spPr>
-          <a:xfrm>
-            <a:off x="403700" y="149700"/>
-            <a:ext cx="1642500" cy="4844100"/>
-          </a:xfrm>
-          <a:prstGeom prst="rect">
-            <a:avLst/>
-          </a:prstGeom>
-          <a:noFill/>
-          <a:ln>
-            <a:noFill/>
-          </a:ln>
-        </p:spPr>
-        <p:txBody>
-          <a:bodyPr lIns="91425" tIns="91425" rIns="91425" bIns="91425" anchor="ctr" anchorCtr="0">
-            <a:noAutofit/>
-          </a:bodyPr>
-          <a:lstStyle/>
-          <a:p>
-            <a:pPr lvl="0" rtl="0">
-              <a:spcBef>
-                <a:spcPts val="0"/>
-              </a:spcBef>
-              <a:buNone/>
-            </a:pPr>
-            <a:r>
-              <a:rPr lang="pt-BR" sz="2200" b="1">
-                <a:solidFill>
-                  <a:srgbClr val="FF0000"/>
-                </a:solidFill>
-                <a:latin typeface="Courier New"/>
-                <a:ea typeface="Courier New"/>
-                <a:cs typeface="Courier New"/>
-                <a:sym typeface="Courier New"/>
-              </a:rPr>
-              <a:t>tr</a:t>
-            </a:r>
-            <a:r>
-              <a:rPr lang="pt-BR" sz="2200" b="1">
-                <a:latin typeface="Courier New"/>
-                <a:ea typeface="Courier New"/>
-                <a:cs typeface="Courier New"/>
-                <a:sym typeface="Courier New"/>
-              </a:rPr>
-              <a:t>y,</a:t>
-            </a:r>
-          </a:p>
-          <a:p>
-            <a:pPr lvl="0" rtl="0">
-              <a:spcBef>
-                <a:spcPts val="0"/>
-              </a:spcBef>
-              <a:buNone/>
-            </a:pPr>
-            <a:r>
-              <a:rPr lang="pt-BR" sz="2200" b="1">
-                <a:solidFill>
-                  <a:srgbClr val="FF0000"/>
-                </a:solidFill>
-                <a:latin typeface="Courier New"/>
-                <a:ea typeface="Courier New"/>
-                <a:cs typeface="Courier New"/>
-                <a:sym typeface="Courier New"/>
-              </a:rPr>
-              <a:t>tr</a:t>
-            </a:r>
-            <a:r>
-              <a:rPr lang="pt-BR" sz="2200" b="1">
-                <a:latin typeface="Courier New"/>
-                <a:ea typeface="Courier New"/>
-                <a:cs typeface="Courier New"/>
-                <a:sym typeface="Courier New"/>
-              </a:rPr>
-              <a:t>unk,</a:t>
-            </a:r>
-            <a:r>
-              <a:rPr lang="pt-BR" sz="2200" b="1">
-                <a:solidFill>
-                  <a:srgbClr val="666666"/>
-                </a:solidFill>
-                <a:latin typeface="Courier New"/>
-                <a:ea typeface="Courier New"/>
-                <a:cs typeface="Courier New"/>
-                <a:sym typeface="Courier New"/>
-              </a:rPr>
-              <a:t> </a:t>
-            </a:r>
-          </a:p>
-          <a:p>
-            <a:pPr lvl="0" rtl="0">
-              <a:spcBef>
-                <a:spcPts val="0"/>
-              </a:spcBef>
-              <a:buNone/>
-            </a:pPr>
-            <a:r>
-              <a:rPr lang="pt-BR" sz="2200" b="1">
-                <a:solidFill>
-                  <a:srgbClr val="FF0000"/>
-                </a:solidFill>
-                <a:latin typeface="Courier New"/>
-                <a:ea typeface="Courier New"/>
-                <a:cs typeface="Courier New"/>
-                <a:sym typeface="Courier New"/>
-              </a:rPr>
-              <a:t>tr</a:t>
-            </a:r>
-            <a:r>
-              <a:rPr lang="pt-BR" sz="2200" b="1">
-                <a:latin typeface="Courier New"/>
-                <a:ea typeface="Courier New"/>
-                <a:cs typeface="Courier New"/>
-                <a:sym typeface="Courier New"/>
-              </a:rPr>
-              <a:t>ie,</a:t>
-            </a:r>
-            <a:r>
-              <a:rPr lang="pt-BR" sz="2200" b="1">
-                <a:solidFill>
-                  <a:srgbClr val="666666"/>
-                </a:solidFill>
-                <a:latin typeface="Courier New"/>
-                <a:ea typeface="Courier New"/>
-                <a:cs typeface="Courier New"/>
-                <a:sym typeface="Courier New"/>
-              </a:rPr>
-              <a:t> </a:t>
-            </a:r>
-          </a:p>
-          <a:p>
-            <a:pPr lvl="0" rtl="0">
-              <a:spcBef>
-                <a:spcPts val="0"/>
-              </a:spcBef>
-              <a:buNone/>
-            </a:pPr>
-            <a:r>
-              <a:rPr lang="pt-BR" sz="2200" b="1">
-                <a:solidFill>
-                  <a:srgbClr val="FF0000"/>
-                </a:solidFill>
-                <a:latin typeface="Courier New"/>
-                <a:ea typeface="Courier New"/>
-                <a:cs typeface="Courier New"/>
-                <a:sym typeface="Courier New"/>
-              </a:rPr>
-              <a:t>tr</a:t>
-            </a:r>
-            <a:r>
-              <a:rPr lang="pt-BR" sz="2200" b="1">
-                <a:latin typeface="Courier New"/>
-                <a:ea typeface="Courier New"/>
-                <a:cs typeface="Courier New"/>
-                <a:sym typeface="Courier New"/>
-              </a:rPr>
-              <a:t>ee,</a:t>
-            </a:r>
-            <a:r>
-              <a:rPr lang="pt-BR" sz="2200" b="1">
-                <a:solidFill>
-                  <a:srgbClr val="666666"/>
-                </a:solidFill>
-                <a:latin typeface="Courier New"/>
-                <a:ea typeface="Courier New"/>
-                <a:cs typeface="Courier New"/>
-                <a:sym typeface="Courier New"/>
-              </a:rPr>
-              <a:t> </a:t>
-            </a:r>
-          </a:p>
-          <a:p>
-            <a:pPr lvl="0" rtl="0">
-              <a:spcBef>
-                <a:spcPts val="0"/>
-              </a:spcBef>
-              <a:buNone/>
-            </a:pPr>
-            <a:r>
-              <a:rPr lang="pt-BR" sz="2200" b="1">
-                <a:solidFill>
-                  <a:srgbClr val="FF0000"/>
-                </a:solidFill>
-                <a:latin typeface="Courier New"/>
-                <a:ea typeface="Courier New"/>
-                <a:cs typeface="Courier New"/>
-                <a:sym typeface="Courier New"/>
-              </a:rPr>
-              <a:t>tr</a:t>
-            </a:r>
-            <a:r>
-              <a:rPr lang="pt-BR" sz="2200" b="1">
-                <a:latin typeface="Courier New"/>
-                <a:ea typeface="Courier New"/>
-                <a:cs typeface="Courier New"/>
-                <a:sym typeface="Courier New"/>
-              </a:rPr>
-              <a:t>ay,</a:t>
-            </a:r>
-            <a:r>
-              <a:rPr lang="pt-BR" sz="2200" b="1">
-                <a:solidFill>
-                  <a:srgbClr val="666666"/>
-                </a:solidFill>
-                <a:latin typeface="Courier New"/>
-                <a:ea typeface="Courier New"/>
-                <a:cs typeface="Courier New"/>
-                <a:sym typeface="Courier New"/>
-              </a:rPr>
-              <a:t> </a:t>
-            </a:r>
-          </a:p>
-          <a:p>
-            <a:pPr lvl="0" rtl="0">
-              <a:spcBef>
-                <a:spcPts val="0"/>
-              </a:spcBef>
-              <a:buNone/>
-            </a:pPr>
-            <a:r>
-              <a:rPr lang="pt-BR" sz="2200" b="1">
-                <a:solidFill>
-                  <a:srgbClr val="FF0000"/>
-                </a:solidFill>
-                <a:latin typeface="Courier New"/>
-                <a:ea typeface="Courier New"/>
-                <a:cs typeface="Courier New"/>
-                <a:sym typeface="Courier New"/>
-              </a:rPr>
-              <a:t>tr</a:t>
-            </a:r>
-            <a:r>
-              <a:rPr lang="pt-BR" sz="2200" b="1">
-                <a:latin typeface="Courier New"/>
-                <a:ea typeface="Courier New"/>
-                <a:cs typeface="Courier New"/>
-                <a:sym typeface="Courier New"/>
-              </a:rPr>
-              <a:t>am,</a:t>
-            </a:r>
-            <a:r>
-              <a:rPr lang="pt-BR" sz="2200" b="1">
-                <a:solidFill>
-                  <a:srgbClr val="666666"/>
-                </a:solidFill>
-                <a:latin typeface="Courier New"/>
-                <a:ea typeface="Courier New"/>
-                <a:cs typeface="Courier New"/>
-                <a:sym typeface="Courier New"/>
-              </a:rPr>
-              <a:t> </a:t>
-            </a:r>
-          </a:p>
-          <a:p>
-            <a:pPr lvl="0" rtl="0">
-              <a:spcBef>
-                <a:spcPts val="0"/>
-              </a:spcBef>
-              <a:buNone/>
-            </a:pPr>
-            <a:r>
-              <a:rPr lang="pt-BR" sz="2200" b="1">
-                <a:solidFill>
-                  <a:srgbClr val="FF0000"/>
-                </a:solidFill>
-                <a:latin typeface="Courier New"/>
-                <a:ea typeface="Courier New"/>
-                <a:cs typeface="Courier New"/>
-                <a:sym typeface="Courier New"/>
-              </a:rPr>
-              <a:t>tr</a:t>
-            </a:r>
-            <a:r>
-              <a:rPr lang="pt-BR" sz="2200" b="1">
-                <a:latin typeface="Courier New"/>
-                <a:ea typeface="Courier New"/>
-                <a:cs typeface="Courier New"/>
-                <a:sym typeface="Courier New"/>
-              </a:rPr>
-              <a:t>aitor,</a:t>
-            </a:r>
-          </a:p>
-          <a:p>
-            <a:pPr lvl="0" rtl="0">
-              <a:spcBef>
-                <a:spcPts val="0"/>
-              </a:spcBef>
-              <a:buNone/>
-            </a:pPr>
-            <a:r>
-              <a:rPr lang="pt-BR" sz="2200" b="1">
-                <a:solidFill>
-                  <a:srgbClr val="FF0000"/>
-                </a:solidFill>
-                <a:latin typeface="Courier New"/>
-                <a:ea typeface="Courier New"/>
-                <a:cs typeface="Courier New"/>
-                <a:sym typeface="Courier New"/>
-              </a:rPr>
-              <a:t>tr</a:t>
-            </a:r>
-            <a:r>
-              <a:rPr lang="pt-BR" sz="2200" b="1">
-                <a:latin typeface="Courier New"/>
-                <a:ea typeface="Courier New"/>
-                <a:cs typeface="Courier New"/>
-                <a:sym typeface="Courier New"/>
-              </a:rPr>
-              <a:t>ait,</a:t>
-            </a:r>
-            <a:r>
-              <a:rPr lang="pt-BR" sz="2200" b="1">
-                <a:solidFill>
-                  <a:srgbClr val="666666"/>
-                </a:solidFill>
-                <a:latin typeface="Courier New"/>
-                <a:ea typeface="Courier New"/>
-                <a:cs typeface="Courier New"/>
-                <a:sym typeface="Courier New"/>
-              </a:rPr>
-              <a:t> </a:t>
-            </a:r>
-          </a:p>
-          <a:p>
-            <a:pPr lvl="0" rtl="0">
-              <a:spcBef>
-                <a:spcPts val="0"/>
-              </a:spcBef>
-              <a:buNone/>
-            </a:pPr>
-            <a:r>
-              <a:rPr lang="pt-BR" sz="2200" b="1">
-                <a:solidFill>
-                  <a:srgbClr val="FF0000"/>
-                </a:solidFill>
-                <a:latin typeface="Courier New"/>
-                <a:ea typeface="Courier New"/>
-                <a:cs typeface="Courier New"/>
-                <a:sym typeface="Courier New"/>
-              </a:rPr>
-              <a:t>tr</a:t>
-            </a:r>
-            <a:r>
-              <a:rPr lang="pt-BR" sz="2200" b="1">
-                <a:latin typeface="Courier New"/>
-                <a:ea typeface="Courier New"/>
-                <a:cs typeface="Courier New"/>
-                <a:sym typeface="Courier New"/>
-              </a:rPr>
-              <a:t>ainee,</a:t>
-            </a:r>
-            <a:r>
-              <a:rPr lang="pt-BR" sz="2200" b="1">
-                <a:solidFill>
-                  <a:srgbClr val="666666"/>
-                </a:solidFill>
-                <a:latin typeface="Courier New"/>
-                <a:ea typeface="Courier New"/>
-                <a:cs typeface="Courier New"/>
-                <a:sym typeface="Courier New"/>
-              </a:rPr>
-              <a:t> </a:t>
-            </a:r>
-          </a:p>
-          <a:p>
-            <a:pPr lvl="0" rtl="0">
-              <a:spcBef>
-                <a:spcPts val="0"/>
-              </a:spcBef>
-              <a:buNone/>
-            </a:pPr>
-            <a:r>
-              <a:rPr lang="pt-BR" sz="2200" b="1">
-                <a:solidFill>
-                  <a:srgbClr val="FF0000"/>
-                </a:solidFill>
-                <a:latin typeface="Courier New"/>
-                <a:ea typeface="Courier New"/>
-                <a:cs typeface="Courier New"/>
-                <a:sym typeface="Courier New"/>
-              </a:rPr>
-              <a:t>tr</a:t>
-            </a:r>
-            <a:r>
-              <a:rPr lang="pt-BR" sz="2200" b="1">
-                <a:latin typeface="Courier New"/>
-                <a:ea typeface="Courier New"/>
-                <a:cs typeface="Courier New"/>
-                <a:sym typeface="Courier New"/>
-              </a:rPr>
-              <a:t>ain,</a:t>
-            </a:r>
-            <a:r>
-              <a:rPr lang="pt-BR" sz="2200" b="1">
-                <a:solidFill>
-                  <a:srgbClr val="666666"/>
-                </a:solidFill>
-                <a:latin typeface="Courier New"/>
-                <a:ea typeface="Courier New"/>
-                <a:cs typeface="Courier New"/>
-                <a:sym typeface="Courier New"/>
-              </a:rPr>
-              <a:t> </a:t>
-            </a:r>
-          </a:p>
-          <a:p>
-            <a:pPr lvl="0" rtl="0">
-              <a:spcBef>
-                <a:spcPts val="0"/>
-              </a:spcBef>
-              <a:buNone/>
-            </a:pPr>
-            <a:r>
-              <a:rPr lang="pt-BR" sz="2200" b="1">
-                <a:solidFill>
-                  <a:srgbClr val="666666"/>
-                </a:solidFill>
-                <a:latin typeface="Courier New"/>
-                <a:ea typeface="Courier New"/>
-                <a:cs typeface="Courier New"/>
-                <a:sym typeface="Courier New"/>
-              </a:rPr>
-              <a:t>tap, </a:t>
-            </a:r>
-          </a:p>
-          <a:p>
-            <a:pPr lvl="0" rtl="0">
-              <a:spcBef>
-                <a:spcPts val="0"/>
-              </a:spcBef>
-              <a:buNone/>
-            </a:pPr>
-            <a:r>
-              <a:rPr lang="pt-BR" sz="2200" b="1">
-                <a:solidFill>
-                  <a:srgbClr val="666666"/>
-                </a:solidFill>
-                <a:latin typeface="Courier New"/>
-                <a:ea typeface="Courier New"/>
-                <a:cs typeface="Courier New"/>
-                <a:sym typeface="Courier New"/>
-              </a:rPr>
-              <a:t>datum,</a:t>
-            </a:r>
-          </a:p>
-          <a:p>
-            <a:pPr lvl="0" rtl="0">
-              <a:spcBef>
-                <a:spcPts val="0"/>
-              </a:spcBef>
-              <a:buNone/>
-            </a:pPr>
-            <a:r>
-              <a:rPr lang="pt-BR" sz="2200" b="1">
-                <a:solidFill>
-                  <a:srgbClr val="666666"/>
-                </a:solidFill>
-                <a:latin typeface="Courier New"/>
-                <a:ea typeface="Courier New"/>
-                <a:cs typeface="Courier New"/>
-                <a:sym typeface="Courier New"/>
-              </a:rPr>
-              <a:t>date,</a:t>
-            </a:r>
-          </a:p>
-          <a:p>
-            <a:pPr lvl="0" rtl="0">
-              <a:spcBef>
-                <a:spcPts val="0"/>
-              </a:spcBef>
-              <a:buNone/>
-            </a:pPr>
-            <a:r>
-              <a:rPr lang="pt-BR" sz="2200" b="1">
-                <a:solidFill>
-                  <a:srgbClr val="666666"/>
-                </a:solidFill>
-                <a:latin typeface="Courier New"/>
-                <a:ea typeface="Courier New"/>
-                <a:cs typeface="Courier New"/>
-                <a:sym typeface="Courier New"/>
-              </a:rPr>
-              <a:t>date</a:t>
-            </a:r>
-          </a:p>
-        </p:txBody>
-      </p:sp>
-      <p:sp>
-        <p:nvSpPr>
-          <p:cNvPr id="137" name="Shape 137"/>
-          <p:cNvSpPr txBox="1"/>
-          <p:nvPr/>
-        </p:nvSpPr>
-        <p:spPr>
-          <a:xfrm>
-            <a:off x="1955150" y="149700"/>
-            <a:ext cx="4510200" cy="859500"/>
-          </a:xfrm>
-          <a:prstGeom prst="rect">
-            <a:avLst/>
-          </a:prstGeom>
-          <a:noFill/>
-          <a:ln>
-            <a:noFill/>
-          </a:ln>
-        </p:spPr>
-        <p:txBody>
-          <a:bodyPr lIns="91425" tIns="91425" rIns="91425" bIns="91425" anchor="t" anchorCtr="0">
-            <a:noAutofit/>
-          </a:bodyPr>
-          <a:lstStyle/>
-          <a:p>
-            <a:pPr lvl="0" rtl="0">
-              <a:spcBef>
-                <a:spcPts val="0"/>
-              </a:spcBef>
-              <a:buNone/>
-            </a:pPr>
-            <a:r>
-              <a:rPr lang="pt-BR" sz="3900" b="1">
-                <a:solidFill>
-                  <a:srgbClr val="FF0000"/>
-                </a:solidFill>
-                <a:latin typeface="Courier New"/>
-                <a:ea typeface="Courier New"/>
-                <a:cs typeface="Courier New"/>
-                <a:sym typeface="Courier New"/>
-              </a:rPr>
-              <a:t>tr</a:t>
-            </a:r>
-            <a:r>
-              <a:rPr lang="pt-BR" sz="3900" b="1">
-                <a:latin typeface="Courier New"/>
-                <a:ea typeface="Courier New"/>
-                <a:cs typeface="Courier New"/>
-                <a:sym typeface="Courier New"/>
-              </a:rPr>
-              <a:t>unk</a:t>
-            </a:r>
-          </a:p>
-          <a:p>
-            <a:pPr lvl="0" rtl="0">
-              <a:spcBef>
-                <a:spcPts val="0"/>
-              </a:spcBef>
-              <a:buNone/>
-            </a:pPr>
-            <a:endParaRPr sz="2200" b="1">
-              <a:latin typeface="Courier New"/>
-              <a:ea typeface="Courier New"/>
-              <a:cs typeface="Courier New"/>
-              <a:sym typeface="Courier New"/>
-            </a:endParaRPr>
-          </a:p>
-        </p:txBody>
-      </p:sp>
-      <p:pic>
-        <p:nvPicPr>
-          <p:cNvPr id="138" name="Shape 138"/>
-          <p:cNvPicPr preferRelativeResize="0"/>
-          <p:nvPr/>
-        </p:nvPicPr>
-        <p:blipFill>
-          <a:blip r:embed="rId3">
-            <a:alphaModFix/>
-          </a:blip>
-          <a:stretch>
-            <a:fillRect/>
-          </a:stretch>
-        </p:blipFill>
-        <p:spPr>
-          <a:xfrm>
-            <a:off x="2198600" y="1161600"/>
-            <a:ext cx="5761345" cy="3829499"/>
-          </a:xfrm>
-          <a:prstGeom prst="rect">
-            <a:avLst/>
-          </a:prstGeom>
-          <a:noFill/>
-          <a:ln>
-            <a:noFill/>
-          </a:ln>
-        </p:spPr>
-      </p:pic>
-    </p:spTree>
-  </p:cSld>
-  <p:clrMapOvr>
-    <a:masterClrMapping/>
-  </p:clrMapOvr>
-</p:sld>
-</file>
-
-<file path=ppt/slides/slide16.xml><?xml version="1.0" encoding="utf-8"?>
-<p:sld xmlns:a="http://schemas.openxmlformats.org/drawingml/2006/main" xmlns:r="http://schemas.openxmlformats.org/officeDocument/2006/relationships" xmlns:p="http://schemas.openxmlformats.org/presentationml/2006/main">
-  <p:cSld>
-    <p:spTree>
-      <p:nvGrpSpPr>
-        <p:cNvPr id="1" name="Shape 142"/>
-        <p:cNvGrpSpPr/>
-        <p:nvPr/>
-      </p:nvGrpSpPr>
-      <p:grpSpPr>
-        <a:xfrm>
-          <a:off x="0" y="0"/>
-          <a:ext cx="0" cy="0"/>
-          <a:chOff x="0" y="0"/>
-          <a:chExt cx="0" cy="0"/>
-        </a:xfrm>
-      </p:grpSpPr>
-      <p:sp>
-        <p:nvSpPr>
-          <p:cNvPr id="143" name="Shape 143"/>
-          <p:cNvSpPr txBox="1"/>
-          <p:nvPr/>
-        </p:nvSpPr>
-        <p:spPr>
-          <a:xfrm>
-            <a:off x="403700" y="149700"/>
-            <a:ext cx="1642500" cy="4844100"/>
-          </a:xfrm>
-          <a:prstGeom prst="rect">
-            <a:avLst/>
-          </a:prstGeom>
-          <a:noFill/>
-          <a:ln>
-            <a:noFill/>
-          </a:ln>
-        </p:spPr>
-        <p:txBody>
-          <a:bodyPr lIns="91425" tIns="91425" rIns="91425" bIns="91425" anchor="ctr" anchorCtr="0">
-            <a:noAutofit/>
-          </a:bodyPr>
-          <a:lstStyle/>
-          <a:p>
-            <a:pPr lvl="0" rtl="0">
-              <a:spcBef>
-                <a:spcPts val="0"/>
-              </a:spcBef>
-              <a:buNone/>
-            </a:pPr>
-            <a:r>
-              <a:rPr lang="pt-BR" sz="2200" b="1">
-                <a:solidFill>
-                  <a:srgbClr val="666666"/>
-                </a:solidFill>
-                <a:latin typeface="Courier New"/>
-                <a:ea typeface="Courier New"/>
-                <a:cs typeface="Courier New"/>
-                <a:sym typeface="Courier New"/>
-              </a:rPr>
-              <a:t>try,</a:t>
-            </a:r>
-          </a:p>
-          <a:p>
-            <a:pPr lvl="0" rtl="0">
-              <a:spcBef>
-                <a:spcPts val="0"/>
-              </a:spcBef>
-              <a:buNone/>
-            </a:pPr>
-            <a:r>
-              <a:rPr lang="pt-BR" sz="2200" b="1">
-                <a:solidFill>
-                  <a:srgbClr val="FF0000"/>
-                </a:solidFill>
-                <a:latin typeface="Courier New"/>
-                <a:ea typeface="Courier New"/>
-                <a:cs typeface="Courier New"/>
-                <a:sym typeface="Courier New"/>
-              </a:rPr>
-              <a:t>tru</a:t>
-            </a:r>
-            <a:r>
-              <a:rPr lang="pt-BR" sz="2200" b="1">
-                <a:latin typeface="Courier New"/>
-                <a:ea typeface="Courier New"/>
-                <a:cs typeface="Courier New"/>
-                <a:sym typeface="Courier New"/>
-              </a:rPr>
-              <a:t>nk</a:t>
-            </a:r>
-            <a:r>
-              <a:rPr lang="pt-BR" sz="2200" b="1">
-                <a:solidFill>
-                  <a:srgbClr val="666666"/>
-                </a:solidFill>
-                <a:latin typeface="Courier New"/>
-                <a:ea typeface="Courier New"/>
-                <a:cs typeface="Courier New"/>
-                <a:sym typeface="Courier New"/>
-              </a:rPr>
-              <a:t>, </a:t>
-            </a:r>
-          </a:p>
-          <a:p>
-            <a:pPr lvl="0" rtl="0">
-              <a:spcBef>
-                <a:spcPts val="0"/>
-              </a:spcBef>
-              <a:buNone/>
-            </a:pPr>
-            <a:r>
-              <a:rPr lang="pt-BR" sz="2200" b="1">
-                <a:solidFill>
-                  <a:srgbClr val="666666"/>
-                </a:solidFill>
-                <a:latin typeface="Courier New"/>
-                <a:ea typeface="Courier New"/>
-                <a:cs typeface="Courier New"/>
-                <a:sym typeface="Courier New"/>
-              </a:rPr>
-              <a:t>trie, </a:t>
-            </a:r>
-          </a:p>
-          <a:p>
-            <a:pPr lvl="0" rtl="0">
-              <a:spcBef>
-                <a:spcPts val="0"/>
-              </a:spcBef>
-              <a:buNone/>
-            </a:pPr>
-            <a:r>
-              <a:rPr lang="pt-BR" sz="2200" b="1">
-                <a:solidFill>
-                  <a:srgbClr val="666666"/>
-                </a:solidFill>
-                <a:latin typeface="Courier New"/>
-                <a:ea typeface="Courier New"/>
-                <a:cs typeface="Courier New"/>
-                <a:sym typeface="Courier New"/>
-              </a:rPr>
-              <a:t>tree, </a:t>
-            </a:r>
-          </a:p>
-          <a:p>
-            <a:pPr lvl="0" rtl="0">
-              <a:spcBef>
-                <a:spcPts val="0"/>
-              </a:spcBef>
-              <a:buNone/>
-            </a:pPr>
-            <a:r>
-              <a:rPr lang="pt-BR" sz="2200" b="1">
-                <a:solidFill>
-                  <a:srgbClr val="666666"/>
-                </a:solidFill>
-                <a:latin typeface="Courier New"/>
-                <a:ea typeface="Courier New"/>
-                <a:cs typeface="Courier New"/>
-                <a:sym typeface="Courier New"/>
-              </a:rPr>
-              <a:t>tray, </a:t>
-            </a:r>
-          </a:p>
-          <a:p>
-            <a:pPr lvl="0" rtl="0">
-              <a:spcBef>
-                <a:spcPts val="0"/>
-              </a:spcBef>
-              <a:buNone/>
-            </a:pPr>
-            <a:r>
-              <a:rPr lang="pt-BR" sz="2200" b="1">
-                <a:solidFill>
-                  <a:srgbClr val="666666"/>
-                </a:solidFill>
-                <a:latin typeface="Courier New"/>
-                <a:ea typeface="Courier New"/>
-                <a:cs typeface="Courier New"/>
-                <a:sym typeface="Courier New"/>
-              </a:rPr>
-              <a:t>tram, </a:t>
-            </a:r>
-          </a:p>
-          <a:p>
-            <a:pPr lvl="0" rtl="0">
-              <a:spcBef>
-                <a:spcPts val="0"/>
-              </a:spcBef>
-              <a:buNone/>
-            </a:pPr>
-            <a:r>
-              <a:rPr lang="pt-BR" sz="2200" b="1">
-                <a:solidFill>
-                  <a:srgbClr val="666666"/>
-                </a:solidFill>
-                <a:latin typeface="Courier New"/>
-                <a:ea typeface="Courier New"/>
-                <a:cs typeface="Courier New"/>
-                <a:sym typeface="Courier New"/>
-              </a:rPr>
-              <a:t>traitor,</a:t>
-            </a:r>
-          </a:p>
-          <a:p>
-            <a:pPr lvl="0" rtl="0">
-              <a:spcBef>
-                <a:spcPts val="0"/>
-              </a:spcBef>
-              <a:buNone/>
-            </a:pPr>
-            <a:r>
-              <a:rPr lang="pt-BR" sz="2200" b="1">
-                <a:solidFill>
-                  <a:srgbClr val="666666"/>
-                </a:solidFill>
-                <a:latin typeface="Courier New"/>
-                <a:ea typeface="Courier New"/>
-                <a:cs typeface="Courier New"/>
-                <a:sym typeface="Courier New"/>
-              </a:rPr>
-              <a:t>trait, </a:t>
-            </a:r>
-          </a:p>
-          <a:p>
-            <a:pPr lvl="0" rtl="0">
-              <a:spcBef>
-                <a:spcPts val="0"/>
-              </a:spcBef>
-              <a:buNone/>
-            </a:pPr>
-            <a:r>
-              <a:rPr lang="pt-BR" sz="2200" b="1">
-                <a:solidFill>
-                  <a:srgbClr val="666666"/>
-                </a:solidFill>
-                <a:latin typeface="Courier New"/>
-                <a:ea typeface="Courier New"/>
-                <a:cs typeface="Courier New"/>
-                <a:sym typeface="Courier New"/>
-              </a:rPr>
-              <a:t>trainee, </a:t>
-            </a:r>
-          </a:p>
-          <a:p>
-            <a:pPr lvl="0" rtl="0">
-              <a:spcBef>
-                <a:spcPts val="0"/>
-              </a:spcBef>
-              <a:buNone/>
-            </a:pPr>
-            <a:r>
-              <a:rPr lang="pt-BR" sz="2200" b="1">
-                <a:solidFill>
-                  <a:srgbClr val="666666"/>
-                </a:solidFill>
-                <a:latin typeface="Courier New"/>
-                <a:ea typeface="Courier New"/>
-                <a:cs typeface="Courier New"/>
-                <a:sym typeface="Courier New"/>
-              </a:rPr>
-              <a:t>train, </a:t>
-            </a:r>
-          </a:p>
-          <a:p>
-            <a:pPr lvl="0" rtl="0">
-              <a:spcBef>
-                <a:spcPts val="0"/>
-              </a:spcBef>
-              <a:buNone/>
-            </a:pPr>
-            <a:r>
-              <a:rPr lang="pt-BR" sz="2200" b="1">
-                <a:solidFill>
-                  <a:srgbClr val="666666"/>
-                </a:solidFill>
-                <a:latin typeface="Courier New"/>
-                <a:ea typeface="Courier New"/>
-                <a:cs typeface="Courier New"/>
-                <a:sym typeface="Courier New"/>
-              </a:rPr>
-              <a:t>tap, </a:t>
-            </a:r>
-          </a:p>
-          <a:p>
-            <a:pPr lvl="0" rtl="0">
-              <a:spcBef>
-                <a:spcPts val="0"/>
-              </a:spcBef>
-              <a:buNone/>
-            </a:pPr>
-            <a:r>
-              <a:rPr lang="pt-BR" sz="2200" b="1">
-                <a:solidFill>
-                  <a:srgbClr val="666666"/>
-                </a:solidFill>
-                <a:latin typeface="Courier New"/>
-                <a:ea typeface="Courier New"/>
-                <a:cs typeface="Courier New"/>
-                <a:sym typeface="Courier New"/>
-              </a:rPr>
-              <a:t>datum,</a:t>
-            </a:r>
-          </a:p>
-          <a:p>
-            <a:pPr lvl="0" rtl="0">
-              <a:spcBef>
-                <a:spcPts val="0"/>
-              </a:spcBef>
-              <a:buNone/>
-            </a:pPr>
-            <a:r>
-              <a:rPr lang="pt-BR" sz="2200" b="1">
-                <a:solidFill>
-                  <a:srgbClr val="666666"/>
-                </a:solidFill>
-                <a:latin typeface="Courier New"/>
-                <a:ea typeface="Courier New"/>
-                <a:cs typeface="Courier New"/>
-                <a:sym typeface="Courier New"/>
-              </a:rPr>
-              <a:t>date,</a:t>
-            </a:r>
-          </a:p>
-          <a:p>
-            <a:pPr lvl="0" rtl="0">
-              <a:spcBef>
-                <a:spcPts val="0"/>
-              </a:spcBef>
-              <a:buNone/>
-            </a:pPr>
-            <a:r>
-              <a:rPr lang="pt-BR" sz="2200" b="1">
-                <a:solidFill>
-                  <a:srgbClr val="666666"/>
-                </a:solidFill>
-                <a:latin typeface="Courier New"/>
-                <a:ea typeface="Courier New"/>
-                <a:cs typeface="Courier New"/>
-                <a:sym typeface="Courier New"/>
-              </a:rPr>
-              <a:t>date</a:t>
-            </a:r>
-          </a:p>
-        </p:txBody>
-      </p:sp>
-      <p:sp>
-        <p:nvSpPr>
-          <p:cNvPr id="144" name="Shape 144"/>
-          <p:cNvSpPr txBox="1"/>
-          <p:nvPr/>
-        </p:nvSpPr>
-        <p:spPr>
-          <a:xfrm>
-            <a:off x="1955150" y="149700"/>
-            <a:ext cx="4510200" cy="859500"/>
-          </a:xfrm>
-          <a:prstGeom prst="rect">
-            <a:avLst/>
-          </a:prstGeom>
-          <a:noFill/>
-          <a:ln>
-            <a:noFill/>
-          </a:ln>
-        </p:spPr>
-        <p:txBody>
-          <a:bodyPr lIns="91425" tIns="91425" rIns="91425" bIns="91425" anchor="t" anchorCtr="0">
-            <a:noAutofit/>
-          </a:bodyPr>
-          <a:lstStyle/>
-          <a:p>
-            <a:pPr lvl="0" rtl="0">
-              <a:spcBef>
-                <a:spcPts val="0"/>
-              </a:spcBef>
-              <a:buNone/>
-            </a:pPr>
-            <a:r>
-              <a:rPr lang="pt-BR" sz="3900" b="1">
-                <a:latin typeface="Courier New"/>
-                <a:ea typeface="Courier New"/>
-                <a:cs typeface="Courier New"/>
-                <a:sym typeface="Courier New"/>
-              </a:rPr>
-              <a:t>trunk</a:t>
-            </a:r>
-          </a:p>
-          <a:p>
-            <a:pPr lvl="0" rtl="0">
-              <a:spcBef>
-                <a:spcPts val="0"/>
-              </a:spcBef>
-              <a:buNone/>
-            </a:pPr>
-            <a:endParaRPr sz="2200" b="1">
-              <a:latin typeface="Courier New"/>
-              <a:ea typeface="Courier New"/>
-              <a:cs typeface="Courier New"/>
-              <a:sym typeface="Courier New"/>
-            </a:endParaRPr>
-          </a:p>
-        </p:txBody>
-      </p:sp>
-      <p:pic>
-        <p:nvPicPr>
-          <p:cNvPr id="145" name="Shape 145"/>
-          <p:cNvPicPr preferRelativeResize="0"/>
-          <p:nvPr/>
-        </p:nvPicPr>
-        <p:blipFill>
-          <a:blip r:embed="rId3">
-            <a:alphaModFix/>
-          </a:blip>
-          <a:stretch>
-            <a:fillRect/>
-          </a:stretch>
-        </p:blipFill>
-        <p:spPr>
-          <a:xfrm>
-            <a:off x="2198600" y="1161600"/>
-            <a:ext cx="5761345" cy="3829499"/>
-          </a:xfrm>
-          <a:prstGeom prst="rect">
-            <a:avLst/>
-          </a:prstGeom>
-          <a:noFill/>
-          <a:ln>
-            <a:noFill/>
-          </a:ln>
-        </p:spPr>
-      </p:pic>
-    </p:spTree>
-  </p:cSld>
-  <p:clrMapOvr>
-    <a:masterClrMapping/>
-  </p:clrMapOvr>
-</p:sld>
-</file>
-
-<file path=ppt/slides/slide17.xml><?xml version="1.0" encoding="utf-8"?>
-<p:sld xmlns:a="http://schemas.openxmlformats.org/drawingml/2006/main" xmlns:r="http://schemas.openxmlformats.org/officeDocument/2006/relationships" xmlns:p="http://schemas.openxmlformats.org/presentationml/2006/main">
-  <p:cSld>
-    <p:spTree>
-      <p:nvGrpSpPr>
-        <p:cNvPr id="1" name="Shape 149"/>
-        <p:cNvGrpSpPr/>
-        <p:nvPr/>
-      </p:nvGrpSpPr>
-      <p:grpSpPr>
-        <a:xfrm>
-          <a:off x="0" y="0"/>
-          <a:ext cx="0" cy="0"/>
-          <a:chOff x="0" y="0"/>
-          <a:chExt cx="0" cy="0"/>
-        </a:xfrm>
-      </p:grpSpPr>
-      <p:pic>
-        <p:nvPicPr>
-          <p:cNvPr id="150" name="Shape 150"/>
-          <p:cNvPicPr preferRelativeResize="0"/>
-          <p:nvPr/>
-        </p:nvPicPr>
-        <p:blipFill>
-          <a:blip r:embed="rId3">
-            <a:alphaModFix/>
-          </a:blip>
-          <a:stretch>
-            <a:fillRect/>
-          </a:stretch>
-        </p:blipFill>
-        <p:spPr>
-          <a:xfrm>
-            <a:off x="1158205" y="798255"/>
-            <a:ext cx="6827599" cy="3546999"/>
-          </a:xfrm>
-          <a:prstGeom prst="rect">
-            <a:avLst/>
-          </a:prstGeom>
-          <a:noFill/>
-          <a:ln w="9525" cap="flat" cmpd="sng">
-            <a:solidFill>
-              <a:srgbClr val="000000"/>
-            </a:solidFill>
-            <a:prstDash val="solid"/>
-            <a:round/>
-            <a:headEnd type="none" w="med" len="med"/>
-            <a:tailEnd type="none" w="med" len="med"/>
-          </a:ln>
-        </p:spPr>
-      </p:pic>
-    </p:spTree>
-  </p:cSld>
-  <p:clrMapOvr>
-    <a:masterClrMapping/>
-  </p:clrMapOvr>
-</p:sld>
-</file>
-
-<file path=ppt/slides/slide18.xml><?xml version="1.0" encoding="utf-8"?>
 <p:sld xmlns:a="http://schemas.openxmlformats.org/drawingml/2006/main" xmlns:r="http://schemas.openxmlformats.org/officeDocument/2006/relationships" xmlns:p="http://schemas.openxmlformats.org/presentationml/2006/main">
   <p:cSld>
     <p:spTree>
@@ -9079,12 +6516,12 @@
 </p:sld>
 </file>
 
-<file path=ppt/slides/slide19.xml><?xml version="1.0" encoding="utf-8"?>
+<file path=ppt/slides/slide15.xml><?xml version="1.0" encoding="utf-8"?>
 <p:sld xmlns:a="http://schemas.openxmlformats.org/drawingml/2006/main" xmlns:r="http://schemas.openxmlformats.org/officeDocument/2006/relationships" xmlns:p="http://schemas.openxmlformats.org/presentationml/2006/main">
   <p:cSld>
     <p:spTree>
       <p:nvGrpSpPr>
-        <p:cNvPr id="1" name="Shape 159"/>
+        <p:cNvPr id="1" name=""/>
         <p:cNvGrpSpPr/>
         <p:nvPr/>
       </p:nvGrpSpPr>
@@ -9096,41 +6533,432 @@
           <a:chExt cx="0" cy="0"/>
         </a:xfrm>
       </p:grpSpPr>
+      <p:sp>
+        <p:nvSpPr>
+          <p:cNvPr id="2" name="Title 1"/>
+          <p:cNvSpPr>
+            <a:spLocks noGrp="1"/>
+          </p:cNvSpPr>
+          <p:nvPr>
+            <p:ph type="title"/>
+          </p:nvPr>
+        </p:nvSpPr>
+        <p:spPr>
+          <a:xfrm>
+            <a:off x="311700" y="188716"/>
+            <a:ext cx="8520600" cy="572700"/>
+          </a:xfrm>
+        </p:spPr>
+        <p:txBody>
+          <a:bodyPr/>
+          <a:lstStyle/>
+          <a:p>
+            <a:r>
+              <a:rPr lang="en-US" dirty="0" err="1"/>
+              <a:t>Trie</a:t>
+            </a:r>
+            <a:r>
+              <a:rPr lang="en-US" dirty="0"/>
+              <a:t> </a:t>
+            </a:r>
+            <a:r>
+              <a:rPr lang="en-US" dirty="0" err="1"/>
+              <a:t>Modificada</a:t>
+            </a:r>
+            <a:endParaRPr lang="en-US" dirty="0"/>
+          </a:p>
+        </p:txBody>
+      </p:sp>
       <p:pic>
         <p:nvPicPr>
-          <p:cNvPr id="160" name="Shape 160"/>
-          <p:cNvPicPr preferRelativeResize="0"/>
+          <p:cNvPr id="4" name="Picture 3"/>
+          <p:cNvPicPr>
+            <a:picLocks noChangeAspect="1"/>
+          </p:cNvPicPr>
           <p:nvPr/>
         </p:nvPicPr>
         <p:blipFill>
-          <a:blip r:embed="rId3">
-            <a:alphaModFix/>
-          </a:blip>
+          <a:blip r:embed="rId2"/>
           <a:stretch>
             <a:fillRect/>
           </a:stretch>
         </p:blipFill>
         <p:spPr>
           <a:xfrm>
-            <a:off x="1152550" y="152400"/>
-            <a:ext cx="6838892" cy="4838700"/>
+            <a:off x="0" y="1000125"/>
+            <a:ext cx="9144000" cy="4143375"/>
           </a:xfrm>
           <a:prstGeom prst="rect">
             <a:avLst/>
           </a:prstGeom>
-          <a:noFill/>
-          <a:ln w="9525" cap="flat" cmpd="sng">
-            <a:solidFill>
-              <a:srgbClr val="000000"/>
-            </a:solidFill>
-            <a:prstDash val="solid"/>
-            <a:round/>
-            <a:headEnd type="none" w="med" len="med"/>
-            <a:tailEnd type="none" w="med" len="med"/>
-          </a:ln>
         </p:spPr>
       </p:pic>
     </p:spTree>
+    <p:extLst>
+      <p:ext uri="{BB962C8B-B14F-4D97-AF65-F5344CB8AC3E}">
+        <p14:creationId xmlns:p14="http://schemas.microsoft.com/office/powerpoint/2010/main" val="2554071262"/>
+      </p:ext>
+    </p:extLst>
+  </p:cSld>
+  <p:clrMapOvr>
+    <a:masterClrMapping/>
+  </p:clrMapOvr>
+</p:sld>
+</file>
+
+<file path=ppt/slides/slide16.xml><?xml version="1.0" encoding="utf-8"?>
+<p:sld xmlns:a="http://schemas.openxmlformats.org/drawingml/2006/main" xmlns:r="http://schemas.openxmlformats.org/officeDocument/2006/relationships" xmlns:p="http://schemas.openxmlformats.org/presentationml/2006/main">
+  <p:cSld>
+    <p:spTree>
+      <p:nvGrpSpPr>
+        <p:cNvPr id="1" name=""/>
+        <p:cNvGrpSpPr/>
+        <p:nvPr/>
+      </p:nvGrpSpPr>
+      <p:grpSpPr>
+        <a:xfrm>
+          <a:off x="0" y="0"/>
+          <a:ext cx="0" cy="0"/>
+          <a:chOff x="0" y="0"/>
+          <a:chExt cx="0" cy="0"/>
+        </a:xfrm>
+      </p:grpSpPr>
+      <p:sp>
+        <p:nvSpPr>
+          <p:cNvPr id="2" name="Title 1"/>
+          <p:cNvSpPr>
+            <a:spLocks noGrp="1"/>
+          </p:cNvSpPr>
+          <p:nvPr>
+            <p:ph type="title"/>
+          </p:nvPr>
+        </p:nvSpPr>
+        <p:spPr>
+          <a:xfrm>
+            <a:off x="311700" y="188716"/>
+            <a:ext cx="8520600" cy="572700"/>
+          </a:xfrm>
+        </p:spPr>
+        <p:txBody>
+          <a:bodyPr/>
+          <a:lstStyle/>
+          <a:p>
+            <a:r>
+              <a:rPr lang="en-US" dirty="0" err="1"/>
+              <a:t>Trie</a:t>
+            </a:r>
+            <a:r>
+              <a:rPr lang="en-US" dirty="0"/>
+              <a:t> </a:t>
+            </a:r>
+            <a:r>
+              <a:rPr lang="en-US" dirty="0" err="1"/>
+              <a:t>Modificada</a:t>
+            </a:r>
+            <a:endParaRPr lang="en-US" dirty="0"/>
+          </a:p>
+        </p:txBody>
+      </p:sp>
+      <p:pic>
+        <p:nvPicPr>
+          <p:cNvPr id="3" name="Picture 2"/>
+          <p:cNvPicPr>
+            <a:picLocks noChangeAspect="1"/>
+          </p:cNvPicPr>
+          <p:nvPr/>
+        </p:nvPicPr>
+        <p:blipFill>
+          <a:blip r:embed="rId2"/>
+          <a:stretch>
+            <a:fillRect/>
+          </a:stretch>
+        </p:blipFill>
+        <p:spPr>
+          <a:xfrm>
+            <a:off x="0" y="982199"/>
+            <a:ext cx="9144000" cy="4161301"/>
+          </a:xfrm>
+          <a:prstGeom prst="rect">
+            <a:avLst/>
+          </a:prstGeom>
+        </p:spPr>
+      </p:pic>
+    </p:spTree>
+    <p:extLst>
+      <p:ext uri="{BB962C8B-B14F-4D97-AF65-F5344CB8AC3E}">
+        <p14:creationId xmlns:p14="http://schemas.microsoft.com/office/powerpoint/2010/main" val="833634750"/>
+      </p:ext>
+    </p:extLst>
+  </p:cSld>
+  <p:clrMapOvr>
+    <a:masterClrMapping/>
+  </p:clrMapOvr>
+</p:sld>
+</file>
+
+<file path=ppt/slides/slide17.xml><?xml version="1.0" encoding="utf-8"?>
+<p:sld xmlns:a="http://schemas.openxmlformats.org/drawingml/2006/main" xmlns:r="http://schemas.openxmlformats.org/officeDocument/2006/relationships" xmlns:p="http://schemas.openxmlformats.org/presentationml/2006/main">
+  <p:cSld>
+    <p:spTree>
+      <p:nvGrpSpPr>
+        <p:cNvPr id="1" name=""/>
+        <p:cNvGrpSpPr/>
+        <p:nvPr/>
+      </p:nvGrpSpPr>
+      <p:grpSpPr>
+        <a:xfrm>
+          <a:off x="0" y="0"/>
+          <a:ext cx="0" cy="0"/>
+          <a:chOff x="0" y="0"/>
+          <a:chExt cx="0" cy="0"/>
+        </a:xfrm>
+      </p:grpSpPr>
+      <p:sp>
+        <p:nvSpPr>
+          <p:cNvPr id="2" name="Title 1"/>
+          <p:cNvSpPr>
+            <a:spLocks noGrp="1"/>
+          </p:cNvSpPr>
+          <p:nvPr>
+            <p:ph type="title"/>
+          </p:nvPr>
+        </p:nvSpPr>
+        <p:spPr>
+          <a:xfrm>
+            <a:off x="311700" y="188716"/>
+            <a:ext cx="8520600" cy="572700"/>
+          </a:xfrm>
+        </p:spPr>
+        <p:txBody>
+          <a:bodyPr/>
+          <a:lstStyle/>
+          <a:p>
+            <a:r>
+              <a:rPr lang="en-US" dirty="0" err="1"/>
+              <a:t>Trie</a:t>
+            </a:r>
+            <a:r>
+              <a:rPr lang="en-US" dirty="0"/>
+              <a:t> </a:t>
+            </a:r>
+            <a:r>
+              <a:rPr lang="en-US" dirty="0" err="1"/>
+              <a:t>Modificada</a:t>
+            </a:r>
+            <a:endParaRPr lang="en-US" dirty="0"/>
+          </a:p>
+        </p:txBody>
+      </p:sp>
+      <p:pic>
+        <p:nvPicPr>
+          <p:cNvPr id="4" name="Picture 3"/>
+          <p:cNvPicPr>
+            <a:picLocks noChangeAspect="1"/>
+          </p:cNvPicPr>
+          <p:nvPr/>
+        </p:nvPicPr>
+        <p:blipFill>
+          <a:blip r:embed="rId2"/>
+          <a:stretch>
+            <a:fillRect/>
+          </a:stretch>
+        </p:blipFill>
+        <p:spPr>
+          <a:xfrm>
+            <a:off x="0" y="1000125"/>
+            <a:ext cx="9144000" cy="4143375"/>
+          </a:xfrm>
+          <a:prstGeom prst="rect">
+            <a:avLst/>
+          </a:prstGeom>
+        </p:spPr>
+      </p:pic>
+    </p:spTree>
+    <p:extLst>
+      <p:ext uri="{BB962C8B-B14F-4D97-AF65-F5344CB8AC3E}">
+        <p14:creationId xmlns:p14="http://schemas.microsoft.com/office/powerpoint/2010/main" val="116854648"/>
+      </p:ext>
+    </p:extLst>
+  </p:cSld>
+  <p:clrMapOvr>
+    <a:masterClrMapping/>
+  </p:clrMapOvr>
+</p:sld>
+</file>
+
+<file path=ppt/slides/slide18.xml><?xml version="1.0" encoding="utf-8"?>
+<p:sld xmlns:a="http://schemas.openxmlformats.org/drawingml/2006/main" xmlns:r="http://schemas.openxmlformats.org/officeDocument/2006/relationships" xmlns:p="http://schemas.openxmlformats.org/presentationml/2006/main">
+  <p:cSld>
+    <p:spTree>
+      <p:nvGrpSpPr>
+        <p:cNvPr id="1" name=""/>
+        <p:cNvGrpSpPr/>
+        <p:nvPr/>
+      </p:nvGrpSpPr>
+      <p:grpSpPr>
+        <a:xfrm>
+          <a:off x="0" y="0"/>
+          <a:ext cx="0" cy="0"/>
+          <a:chOff x="0" y="0"/>
+          <a:chExt cx="0" cy="0"/>
+        </a:xfrm>
+      </p:grpSpPr>
+      <p:sp>
+        <p:nvSpPr>
+          <p:cNvPr id="2" name="Title 1"/>
+          <p:cNvSpPr>
+            <a:spLocks noGrp="1"/>
+          </p:cNvSpPr>
+          <p:nvPr>
+            <p:ph type="title"/>
+          </p:nvPr>
+        </p:nvSpPr>
+        <p:spPr>
+          <a:xfrm>
+            <a:off x="311700" y="188716"/>
+            <a:ext cx="8520600" cy="572700"/>
+          </a:xfrm>
+        </p:spPr>
+        <p:txBody>
+          <a:bodyPr/>
+          <a:lstStyle/>
+          <a:p>
+            <a:r>
+              <a:rPr lang="en-US" dirty="0" err="1"/>
+              <a:t>Trie</a:t>
+            </a:r>
+            <a:r>
+              <a:rPr lang="en-US" dirty="0"/>
+              <a:t> </a:t>
+            </a:r>
+            <a:r>
+              <a:rPr lang="en-US" dirty="0" err="1"/>
+              <a:t>Modificada</a:t>
+            </a:r>
+            <a:endParaRPr lang="en-US" dirty="0"/>
+          </a:p>
+        </p:txBody>
+      </p:sp>
+      <p:pic>
+        <p:nvPicPr>
+          <p:cNvPr id="4" name="Picture 3"/>
+          <p:cNvPicPr>
+            <a:picLocks noChangeAspect="1"/>
+          </p:cNvPicPr>
+          <p:nvPr/>
+        </p:nvPicPr>
+        <p:blipFill>
+          <a:blip r:embed="rId2"/>
+          <a:stretch>
+            <a:fillRect/>
+          </a:stretch>
+        </p:blipFill>
+        <p:spPr>
+          <a:xfrm>
+            <a:off x="0" y="1000125"/>
+            <a:ext cx="9144000" cy="4143375"/>
+          </a:xfrm>
+          <a:prstGeom prst="rect">
+            <a:avLst/>
+          </a:prstGeom>
+        </p:spPr>
+      </p:pic>
+    </p:spTree>
+    <p:extLst>
+      <p:ext uri="{BB962C8B-B14F-4D97-AF65-F5344CB8AC3E}">
+        <p14:creationId xmlns:p14="http://schemas.microsoft.com/office/powerpoint/2010/main" val="45926282"/>
+      </p:ext>
+    </p:extLst>
+  </p:cSld>
+  <p:clrMapOvr>
+    <a:masterClrMapping/>
+  </p:clrMapOvr>
+</p:sld>
+</file>
+
+<file path=ppt/slides/slide19.xml><?xml version="1.0" encoding="utf-8"?>
+<p:sld xmlns:a="http://schemas.openxmlformats.org/drawingml/2006/main" xmlns:r="http://schemas.openxmlformats.org/officeDocument/2006/relationships" xmlns:p="http://schemas.openxmlformats.org/presentationml/2006/main">
+  <p:cSld>
+    <p:spTree>
+      <p:nvGrpSpPr>
+        <p:cNvPr id="1" name=""/>
+        <p:cNvGrpSpPr/>
+        <p:nvPr/>
+      </p:nvGrpSpPr>
+      <p:grpSpPr>
+        <a:xfrm>
+          <a:off x="0" y="0"/>
+          <a:ext cx="0" cy="0"/>
+          <a:chOff x="0" y="0"/>
+          <a:chExt cx="0" cy="0"/>
+        </a:xfrm>
+      </p:grpSpPr>
+      <p:sp>
+        <p:nvSpPr>
+          <p:cNvPr id="2" name="Title 1"/>
+          <p:cNvSpPr>
+            <a:spLocks noGrp="1"/>
+          </p:cNvSpPr>
+          <p:nvPr>
+            <p:ph type="title"/>
+          </p:nvPr>
+        </p:nvSpPr>
+        <p:spPr>
+          <a:xfrm>
+            <a:off x="311700" y="188716"/>
+            <a:ext cx="8520600" cy="572700"/>
+          </a:xfrm>
+        </p:spPr>
+        <p:txBody>
+          <a:bodyPr/>
+          <a:lstStyle/>
+          <a:p>
+            <a:r>
+              <a:rPr lang="en-US" dirty="0" err="1"/>
+              <a:t>Trie</a:t>
+            </a:r>
+            <a:r>
+              <a:rPr lang="en-US" dirty="0"/>
+              <a:t> </a:t>
+            </a:r>
+            <a:r>
+              <a:rPr lang="en-US" dirty="0" err="1"/>
+              <a:t>Modificada</a:t>
+            </a:r>
+            <a:endParaRPr lang="en-US" dirty="0"/>
+          </a:p>
+        </p:txBody>
+      </p:sp>
+      <p:pic>
+        <p:nvPicPr>
+          <p:cNvPr id="5" name="Picture 4"/>
+          <p:cNvPicPr>
+            <a:picLocks noChangeAspect="1"/>
+          </p:cNvPicPr>
+          <p:nvPr/>
+        </p:nvPicPr>
+        <p:blipFill>
+          <a:blip r:embed="rId2"/>
+          <a:stretch>
+            <a:fillRect/>
+          </a:stretch>
+        </p:blipFill>
+        <p:spPr>
+          <a:xfrm>
+            <a:off x="0" y="1002565"/>
+            <a:ext cx="9144000" cy="4140935"/>
+          </a:xfrm>
+          <a:prstGeom prst="rect">
+            <a:avLst/>
+          </a:prstGeom>
+        </p:spPr>
+      </p:pic>
+    </p:spTree>
+    <p:extLst>
+      <p:ext uri="{BB962C8B-B14F-4D97-AF65-F5344CB8AC3E}">
+        <p14:creationId xmlns:p14="http://schemas.microsoft.com/office/powerpoint/2010/main" val="4115301984"/>
+      </p:ext>
+    </p:extLst>
   </p:cSld>
   <p:clrMapOvr>
     <a:masterClrMapping/>
@@ -9658,8 +7486,20 @@
               <a:buChar char="•"/>
             </a:pPr>
             <a:r>
-              <a:rPr lang="en-US" sz="2800" dirty="0"/>
-              <a:t>Javascript</a:t>
+              <a:rPr lang="en-US" sz="2800" dirty="0" err="1">
+                <a:solidFill>
+                  <a:schemeClr val="tx1"/>
+                </a:solidFill>
+              </a:rPr>
+              <a:t>Linguagem</a:t>
+            </a:r>
+            <a:r>
+              <a:rPr lang="en-US" sz="2800" dirty="0">
+                <a:solidFill>
+                  <a:schemeClr val="tx1"/>
+                </a:solidFill>
+              </a:rPr>
+              <a:t>: Javascript</a:t>
             </a:r>
           </a:p>
           <a:p>
@@ -9668,10 +7508,34 @@
               <a:buChar char="•"/>
             </a:pPr>
             <a:r>
-              <a:rPr lang="en-US" sz="2800" dirty="0" err="1"/>
+              <a:rPr lang="en-US" sz="2800" dirty="0" err="1">
+                <a:solidFill>
+                  <a:schemeClr val="tx1"/>
+                </a:solidFill>
+              </a:rPr>
+              <a:t>Estrutura</a:t>
+            </a:r>
+            <a:r>
+              <a:rPr lang="en-US" sz="2800" dirty="0">
+                <a:solidFill>
+                  <a:schemeClr val="tx1"/>
+                </a:solidFill>
+              </a:rPr>
+              <a:t>: </a:t>
+            </a:r>
+            <a:r>
+              <a:rPr lang="en-US" sz="2800" dirty="0" err="1">
+                <a:solidFill>
+                  <a:schemeClr val="tx1"/>
+                </a:solidFill>
+              </a:rPr>
               <a:t>Trie</a:t>
             </a:r>
-            <a:endParaRPr lang="en-US" sz="2800" dirty="0"/>
+            <a:endParaRPr lang="en-US" sz="2800" dirty="0">
+              <a:solidFill>
+                <a:schemeClr val="tx1"/>
+              </a:solidFill>
+            </a:endParaRPr>
           </a:p>
           <a:p>
             <a:pPr marL="285750" indent="-285750">
@@ -9679,8 +7543,26 @@
               <a:buChar char="•"/>
             </a:pPr>
             <a:r>
-              <a:rPr lang="en-US" sz="2800" dirty="0"/>
-              <a:t>LZW</a:t>
+              <a:rPr lang="en-US" sz="2800" dirty="0" err="1">
+                <a:solidFill>
+                  <a:schemeClr val="bg2">
+                    <a:lumMod val="40000"/>
+                    <a:lumOff val="60000"/>
+                  </a:schemeClr>
+                </a:solidFill>
+              </a:rPr>
+              <a:t>Compactação</a:t>
+            </a:r>
+            <a:r>
+              <a:rPr lang="en-US" sz="2800" dirty="0">
+                <a:solidFill>
+                  <a:schemeClr val="bg2">
+                    <a:lumMod val="40000"/>
+                    <a:lumOff val="60000"/>
+                  </a:schemeClr>
+                </a:solidFill>
+              </a:rPr>
+              <a:t>: LZW</a:t>
             </a:r>
           </a:p>
         </p:txBody>

--- a/Trie.pptx
+++ b/Trie.pptx
@@ -5,7 +5,7 @@
     <p:sldMasterId id="2147483659" r:id="rId1"/>
   </p:sldMasterIdLst>
   <p:notesMasterIdLst>
-    <p:notesMasterId r:id="rId25"/>
+    <p:notesMasterId r:id="rId26"/>
   </p:notesMasterIdLst>
   <p:sldIdLst>
     <p:sldId id="256" r:id="rId2"/>
@@ -27,10 +27,11 @@
     <p:sldId id="285" r:id="rId18"/>
     <p:sldId id="286" r:id="rId19"/>
     <p:sldId id="287" r:id="rId20"/>
-    <p:sldId id="273" r:id="rId21"/>
-    <p:sldId id="280" r:id="rId22"/>
-    <p:sldId id="281" r:id="rId23"/>
-    <p:sldId id="282" r:id="rId24"/>
+    <p:sldId id="288" r:id="rId21"/>
+    <p:sldId id="273" r:id="rId22"/>
+    <p:sldId id="280" r:id="rId23"/>
+    <p:sldId id="281" r:id="rId24"/>
+    <p:sldId id="282" r:id="rId25"/>
   </p:sldIdLst>
   <p:sldSz cx="9144000" cy="5143500" type="screen16x9"/>
   <p:notesSz cx="6858000" cy="9144000"/>
@@ -7101,6 +7102,639 @@
   <p:cSld>
     <p:spTree>
       <p:nvGrpSpPr>
+        <p:cNvPr id="1" name=""/>
+        <p:cNvGrpSpPr/>
+        <p:nvPr/>
+      </p:nvGrpSpPr>
+      <p:grpSpPr>
+        <a:xfrm>
+          <a:off x="0" y="0"/>
+          <a:ext cx="0" cy="0"/>
+          <a:chOff x="0" y="0"/>
+          <a:chExt cx="0" cy="0"/>
+        </a:xfrm>
+      </p:grpSpPr>
+      <p:sp>
+        <p:nvSpPr>
+          <p:cNvPr id="7" name="Title 1"/>
+          <p:cNvSpPr>
+            <a:spLocks noGrp="1"/>
+          </p:cNvSpPr>
+          <p:nvPr>
+            <p:ph type="title"/>
+          </p:nvPr>
+        </p:nvSpPr>
+        <p:spPr>
+          <a:xfrm>
+            <a:off x="311700" y="188716"/>
+            <a:ext cx="8520600" cy="572700"/>
+          </a:xfrm>
+        </p:spPr>
+        <p:txBody>
+          <a:bodyPr/>
+          <a:lstStyle/>
+          <a:p>
+            <a:r>
+              <a:rPr lang="en-US" dirty="0" err="1"/>
+              <a:t>Trie</a:t>
+            </a:r>
+            <a:r>
+              <a:rPr lang="en-US" dirty="0"/>
+              <a:t> </a:t>
+            </a:r>
+            <a:r>
+              <a:rPr lang="en-US" dirty="0" err="1"/>
+              <a:t>Modificada</a:t>
+            </a:r>
+            <a:endParaRPr lang="en-US" dirty="0"/>
+          </a:p>
+        </p:txBody>
+      </p:sp>
+      <p:pic>
+        <p:nvPicPr>
+          <p:cNvPr id="8" name="Picture 7"/>
+          <p:cNvPicPr>
+            <a:picLocks noChangeAspect="1"/>
+          </p:cNvPicPr>
+          <p:nvPr/>
+        </p:nvPicPr>
+        <p:blipFill rotWithShape="1">
+          <a:blip r:embed="rId2"/>
+          <a:srcRect t="13467" b="1280"/>
+          <a:stretch/>
+        </p:blipFill>
+        <p:spPr>
+          <a:xfrm>
+            <a:off x="690775" y="1037076"/>
+            <a:ext cx="7762450" cy="4106424"/>
+          </a:xfrm>
+          <a:prstGeom prst="rect">
+            <a:avLst/>
+          </a:prstGeom>
+        </p:spPr>
+      </p:pic>
+      <mc:AlternateContent xmlns:mc="http://schemas.openxmlformats.org/markup-compatibility/2006">
+        <mc:Choice xmlns:a14="http://schemas.microsoft.com/office/drawing/2010/main" Requires="a14">
+          <p:sp>
+            <p:nvSpPr>
+              <p:cNvPr id="10" name="TextBox 9"/>
+              <p:cNvSpPr txBox="1"/>
+              <p:nvPr/>
+            </p:nvSpPr>
+            <p:spPr>
+              <a:xfrm>
+                <a:off x="3685309" y="760832"/>
+                <a:ext cx="5015346" cy="1107996"/>
+              </a:xfrm>
+              <a:prstGeom prst="rect">
+                <a:avLst/>
+              </a:prstGeom>
+              <a:noFill/>
+            </p:spPr>
+            <p:txBody>
+              <a:bodyPr wrap="square" lIns="0" tIns="0" rIns="0" bIns="0" rtlCol="0">
+                <a:spAutoFit/>
+              </a:bodyPr>
+              <a:lstStyle/>
+              <a:p>
+                <a:pPr/>
+                <a14:m>
+                  <m:oMathPara xmlns:m="http://schemas.openxmlformats.org/officeDocument/2006/math">
+                    <m:oMathParaPr>
+                      <m:jc m:val="left"/>
+                    </m:oMathParaPr>
+                    <m:oMath xmlns:m="http://schemas.openxmlformats.org/officeDocument/2006/math">
+                      <m:r>
+                        <a:rPr lang="en-US" sz="1800" i="1" smtClean="0">
+                          <a:latin typeface="Cambria Math" panose="02040503050406030204" pitchFamily="18" charset="0"/>
+                        </a:rPr>
+                        <m:t>𝐶𝑜𝑚𝑝𝑙𝑒𝑥𝑖𝑑𝑎𝑑𝑒</m:t>
+                      </m:r>
+                      <m:r>
+                        <a:rPr lang="en-US" sz="1800" b="0" i="1" smtClean="0">
+                          <a:latin typeface="Cambria Math" panose="02040503050406030204" pitchFamily="18" charset="0"/>
+                        </a:rPr>
+                        <m:t>      </m:t>
+                      </m:r>
+                      <m:r>
+                        <a:rPr lang="en-US" sz="1800" b="0" i="1" smtClean="0">
+                          <a:latin typeface="Cambria Math" panose="02040503050406030204" pitchFamily="18" charset="0"/>
+                        </a:rPr>
+                        <m:t>=</m:t>
+                      </m:r>
+                      <m:d>
+                        <m:dPr>
+                          <m:ctrlPr>
+                            <a:rPr lang="pt-BR" sz="1800" i="1">
+                              <a:latin typeface="Cambria Math" panose="02040503050406030204" pitchFamily="18" charset="0"/>
+                            </a:rPr>
+                          </m:ctrlPr>
+                        </m:dPr>
+                        <m:e>
+                          <m:r>
+                            <a:rPr lang="pt-BR" sz="1800" i="1">
+                              <a:latin typeface="Cambria Math" panose="02040503050406030204" pitchFamily="18" charset="0"/>
+                            </a:rPr>
+                            <m:t>𝑛</m:t>
+                          </m:r>
+                          <m:r>
+                            <a:rPr lang="pt-BR" sz="1800" i="1">
+                              <a:latin typeface="Cambria Math" panose="02040503050406030204" pitchFamily="18" charset="0"/>
+                            </a:rPr>
+                            <m:t>-</m:t>
+                          </m:r>
+                          <m:r>
+                            <a:rPr lang="pt-BR" sz="1800" i="1">
+                              <a:latin typeface="Cambria Math" panose="02040503050406030204" pitchFamily="18" charset="0"/>
+                            </a:rPr>
+                            <m:t>𝑚</m:t>
+                          </m:r>
+                        </m:e>
+                      </m:d>
+                      <m:r>
+                        <a:rPr lang="en-US" sz="1800" b="0" i="1" smtClean="0">
+                          <a:latin typeface="Cambria Math" panose="02040503050406030204" pitchFamily="18" charset="0"/>
+                        </a:rPr>
+                        <m:t>∗</m:t>
+                      </m:r>
+                      <m:d>
+                        <m:dPr>
+                          <m:ctrlPr>
+                            <a:rPr lang="pt-BR" sz="1800" i="1">
+                              <a:latin typeface="Cambria Math" panose="02040503050406030204" pitchFamily="18" charset="0"/>
+                            </a:rPr>
+                          </m:ctrlPr>
+                        </m:dPr>
+                        <m:e>
+                          <m:r>
+                            <a:rPr lang="pt-BR" sz="1800" i="1">
+                              <a:latin typeface="Cambria Math" panose="02040503050406030204" pitchFamily="18" charset="0"/>
+                            </a:rPr>
+                            <m:t>𝑚</m:t>
+                          </m:r>
+                          <m:r>
+                            <a:rPr lang="pt-BR" sz="1800" i="1">
+                              <a:latin typeface="Cambria Math" panose="02040503050406030204" pitchFamily="18" charset="0"/>
+                            </a:rPr>
+                            <m:t>-1</m:t>
+                          </m:r>
+                        </m:e>
+                      </m:d>
+                    </m:oMath>
+                  </m:oMathPara>
+                </a14:m>
+                <a:endParaRPr lang="en-US" sz="1800" i="1" dirty="0">
+                  <a:latin typeface="Cambria Math" panose="02040503050406030204" pitchFamily="18" charset="0"/>
+                </a:endParaRPr>
+              </a:p>
+              <a:p>
+                <a:r>
+                  <a:rPr lang="pt-BR" sz="1800" dirty="0"/>
+                  <a:t>		</a:t>
+                </a:r>
+                <a14:m>
+                  <m:oMath xmlns:m="http://schemas.openxmlformats.org/officeDocument/2006/math">
+                    <m:r>
+                      <a:rPr lang="pt-BR" sz="1800" i="1">
+                        <a:latin typeface="Cambria Math" panose="02040503050406030204" pitchFamily="18" charset="0"/>
+                      </a:rPr>
+                      <m:t>= </m:t>
+                    </m:r>
+                    <m:r>
+                      <a:rPr lang="pt-BR" sz="1800" i="1">
+                        <a:latin typeface="Cambria Math" panose="02040503050406030204" pitchFamily="18" charset="0"/>
+                      </a:rPr>
+                      <m:t>𝑛</m:t>
+                    </m:r>
+                    <m:r>
+                      <a:rPr lang="en-US" sz="1800" b="0" i="1" smtClean="0">
+                        <a:latin typeface="Cambria Math" panose="02040503050406030204" pitchFamily="18" charset="0"/>
+                      </a:rPr>
+                      <m:t>∗</m:t>
+                    </m:r>
+                    <m:r>
+                      <a:rPr lang="pt-BR" sz="1800" i="1">
+                        <a:latin typeface="Cambria Math" panose="02040503050406030204" pitchFamily="18" charset="0"/>
+                      </a:rPr>
+                      <m:t>𝑚</m:t>
+                    </m:r>
+                    <m:r>
+                      <a:rPr lang="pt-BR" sz="1800" i="1">
+                        <a:latin typeface="Cambria Math" panose="02040503050406030204" pitchFamily="18" charset="0"/>
+                      </a:rPr>
+                      <m:t> − </m:t>
+                    </m:r>
+                    <m:r>
+                      <a:rPr lang="pt-BR" sz="1800" i="1">
+                        <a:latin typeface="Cambria Math" panose="02040503050406030204" pitchFamily="18" charset="0"/>
+                      </a:rPr>
+                      <m:t>𝑛</m:t>
+                    </m:r>
+                    <m:r>
+                      <a:rPr lang="pt-BR" sz="1800" i="1">
+                        <a:latin typeface="Cambria Math" panose="02040503050406030204" pitchFamily="18" charset="0"/>
+                      </a:rPr>
+                      <m:t> − </m:t>
+                    </m:r>
+                    <m:r>
+                      <a:rPr lang="pt-BR" sz="1800" i="1">
+                        <a:latin typeface="Cambria Math" panose="02040503050406030204" pitchFamily="18" charset="0"/>
+                      </a:rPr>
+                      <m:t>𝑚</m:t>
+                    </m:r>
+                    <m:r>
+                      <a:rPr lang="pt-BR" sz="1800" i="1">
+                        <a:latin typeface="Cambria Math" panose="02040503050406030204" pitchFamily="18" charset="0"/>
+                      </a:rPr>
+                      <m:t>² + </m:t>
+                    </m:r>
+                    <m:r>
+                      <a:rPr lang="pt-BR" sz="1800" i="1">
+                        <a:latin typeface="Cambria Math" panose="02040503050406030204" pitchFamily="18" charset="0"/>
+                      </a:rPr>
+                      <m:t>𝑚</m:t>
+                    </m:r>
+                  </m:oMath>
+                </a14:m>
+                <a:endParaRPr lang="en-US" sz="1800" dirty="0"/>
+              </a:p>
+              <a:p>
+                <a:r>
+                  <a:rPr lang="en-US" sz="1800" dirty="0"/>
+                  <a:t>		</a:t>
+                </a:r>
+                <a14:m>
+                  <m:oMath xmlns:m="http://schemas.openxmlformats.org/officeDocument/2006/math">
+                    <m:r>
+                      <a:rPr lang="pt-BR" sz="1800" i="1" smtClean="0">
+                        <a:latin typeface="Cambria Math" panose="02040503050406030204" pitchFamily="18" charset="0"/>
+                        <a:ea typeface="Cambria Math" panose="02040503050406030204" pitchFamily="18" charset="0"/>
+                      </a:rPr>
+                      <m:t>≅</m:t>
+                    </m:r>
+                    <m:r>
+                      <a:rPr lang="pt-BR" sz="1800" i="1">
+                        <a:latin typeface="Cambria Math" panose="02040503050406030204" pitchFamily="18" charset="0"/>
+                      </a:rPr>
+                      <m:t> </m:t>
+                    </m:r>
+                    <m:r>
+                      <a:rPr lang="pt-BR" sz="1800" i="1">
+                        <a:latin typeface="Cambria Math" panose="02040503050406030204" pitchFamily="18" charset="0"/>
+                      </a:rPr>
+                      <m:t>𝑛</m:t>
+                    </m:r>
+                    <m:r>
+                      <a:rPr lang="en-US" sz="1800" i="1">
+                        <a:latin typeface="Cambria Math" panose="02040503050406030204" pitchFamily="18" charset="0"/>
+                      </a:rPr>
+                      <m:t>∗</m:t>
+                    </m:r>
+                    <m:r>
+                      <a:rPr lang="pt-BR" sz="1800" i="1">
+                        <a:latin typeface="Cambria Math" panose="02040503050406030204" pitchFamily="18" charset="0"/>
+                      </a:rPr>
+                      <m:t>𝑚</m:t>
+                    </m:r>
+                    <m:r>
+                      <a:rPr lang="pt-BR" sz="1800" i="1">
+                        <a:latin typeface="Cambria Math" panose="02040503050406030204" pitchFamily="18" charset="0"/>
+                      </a:rPr>
+                      <m:t> − </m:t>
+                    </m:r>
+                    <m:r>
+                      <a:rPr lang="pt-BR" sz="1800" i="1">
+                        <a:latin typeface="Cambria Math" panose="02040503050406030204" pitchFamily="18" charset="0"/>
+                      </a:rPr>
+                      <m:t>𝑚</m:t>
+                    </m:r>
+                    <m:r>
+                      <a:rPr lang="pt-BR" sz="1800" i="1">
+                        <a:latin typeface="Cambria Math" panose="02040503050406030204" pitchFamily="18" charset="0"/>
+                      </a:rPr>
+                      <m:t>²</m:t>
+                    </m:r>
+                  </m:oMath>
+                </a14:m>
+                <a:endParaRPr lang="en-US" sz="1800" dirty="0"/>
+              </a:p>
+              <a:p>
+                <a:r>
+                  <a:rPr lang="en-US" sz="1800" dirty="0">
+                    <a:ea typeface="Cambria Math" panose="02040503050406030204" pitchFamily="18" charset="0"/>
+                  </a:rPr>
+                  <a:t>		</a:t>
+                </a:r>
+                <a14:m>
+                  <m:oMath xmlns:m="http://schemas.openxmlformats.org/officeDocument/2006/math">
+                    <m:r>
+                      <a:rPr lang="pt-BR" sz="1800" i="1">
+                        <a:latin typeface="Cambria Math" panose="02040503050406030204" pitchFamily="18" charset="0"/>
+                        <a:ea typeface="Cambria Math" panose="02040503050406030204" pitchFamily="18" charset="0"/>
+                      </a:rPr>
+                      <m:t>≅</m:t>
+                    </m:r>
+                    <m:r>
+                      <a:rPr lang="pt-BR" sz="1800" i="1">
+                        <a:latin typeface="Cambria Math" panose="02040503050406030204" pitchFamily="18" charset="0"/>
+                      </a:rPr>
+                      <m:t> </m:t>
+                    </m:r>
+                    <m:r>
+                      <a:rPr lang="pt-BR" sz="1800" i="1">
+                        <a:latin typeface="Cambria Math" panose="02040503050406030204" pitchFamily="18" charset="0"/>
+                      </a:rPr>
+                      <m:t>𝑛</m:t>
+                    </m:r>
+                    <m:r>
+                      <a:rPr lang="en-US" sz="1800" i="1">
+                        <a:latin typeface="Cambria Math" panose="02040503050406030204" pitchFamily="18" charset="0"/>
+                      </a:rPr>
+                      <m:t>∗</m:t>
+                    </m:r>
+                    <m:r>
+                      <a:rPr lang="pt-BR" sz="1800" i="1">
+                        <a:latin typeface="Cambria Math" panose="02040503050406030204" pitchFamily="18" charset="0"/>
+                      </a:rPr>
+                      <m:t>𝑚</m:t>
+                    </m:r>
+                  </m:oMath>
+                </a14:m>
+                <a:endParaRPr lang="en-US" sz="1800" dirty="0"/>
+              </a:p>
+            </p:txBody>
+          </p:sp>
+        </mc:Choice>
+        <mc:Fallback>
+          <p:sp>
+            <p:nvSpPr>
+              <p:cNvPr id="10" name="TextBox 9"/>
+              <p:cNvSpPr txBox="1">
+                <a:spLocks noRot="1" noChangeAspect="1" noMove="1" noResize="1" noEditPoints="1" noAdjustHandles="1" noChangeArrowheads="1" noChangeShapeType="1" noTextEdit="1"/>
+              </p:cNvSpPr>
+              <p:nvPr/>
+            </p:nvSpPr>
+            <p:spPr>
+              <a:xfrm>
+                <a:off x="3685309" y="760832"/>
+                <a:ext cx="5015346" cy="1107996"/>
+              </a:xfrm>
+              <a:prstGeom prst="rect">
+                <a:avLst/>
+              </a:prstGeom>
+              <a:blipFill>
+                <a:blip r:embed="rId3"/>
+                <a:stretch>
+                  <a:fillRect l="-2190"/>
+                </a:stretch>
+              </a:blipFill>
+            </p:spPr>
+            <p:txBody>
+              <a:bodyPr/>
+              <a:lstStyle/>
+              <a:p>
+                <a:r>
+                  <a:rPr lang="en-US">
+                    <a:noFill/>
+                  </a:rPr>
+                  <a:t> </a:t>
+                </a:r>
+              </a:p>
+            </p:txBody>
+          </p:sp>
+        </mc:Fallback>
+      </mc:AlternateContent>
+      <p:sp>
+        <p:nvSpPr>
+          <p:cNvPr id="11" name="Rectangle 10"/>
+          <p:cNvSpPr/>
+          <p:nvPr/>
+        </p:nvSpPr>
+        <p:spPr>
+          <a:xfrm>
+            <a:off x="3879272" y="178318"/>
+            <a:ext cx="1808018" cy="296456"/>
+          </a:xfrm>
+          <a:prstGeom prst="rect">
+            <a:avLst/>
+          </a:prstGeom>
+        </p:spPr>
+        <p:style>
+          <a:lnRef idx="2">
+            <a:schemeClr val="accent3">
+              <a:shade val="50000"/>
+            </a:schemeClr>
+          </a:lnRef>
+          <a:fillRef idx="1">
+            <a:schemeClr val="accent3"/>
+          </a:fillRef>
+          <a:effectRef idx="0">
+            <a:schemeClr val="accent3"/>
+          </a:effectRef>
+          <a:fontRef idx="minor">
+            <a:schemeClr val="lt1"/>
+          </a:fontRef>
+        </p:style>
+        <p:txBody>
+          <a:bodyPr rtlCol="0" anchor="ctr"/>
+          <a:lstStyle/>
+          <a:p>
+            <a:pPr algn="ctr"/>
+            <a:r>
+              <a:rPr lang="en-US" sz="1200"/>
+              <a:t>Palavra Completa</a:t>
+            </a:r>
+            <a:endParaRPr lang="en-US" sz="1200" dirty="0"/>
+          </a:p>
+        </p:txBody>
+      </p:sp>
+      <p:sp>
+        <p:nvSpPr>
+          <p:cNvPr id="12" name="Rectangle 11"/>
+          <p:cNvSpPr/>
+          <p:nvPr/>
+        </p:nvSpPr>
+        <p:spPr>
+          <a:xfrm>
+            <a:off x="6283035" y="178318"/>
+            <a:ext cx="1808018" cy="296456"/>
+          </a:xfrm>
+          <a:prstGeom prst="rect">
+            <a:avLst/>
+          </a:prstGeom>
+        </p:spPr>
+        <p:style>
+          <a:lnRef idx="2">
+            <a:schemeClr val="accent3">
+              <a:shade val="50000"/>
+            </a:schemeClr>
+          </a:lnRef>
+          <a:fillRef idx="1">
+            <a:schemeClr val="accent3"/>
+          </a:fillRef>
+          <a:effectRef idx="0">
+            <a:schemeClr val="accent3"/>
+          </a:effectRef>
+          <a:fontRef idx="minor">
+            <a:schemeClr val="lt1"/>
+          </a:fontRef>
+        </p:style>
+        <p:txBody>
+          <a:bodyPr rtlCol="0" anchor="ctr"/>
+          <a:lstStyle/>
+          <a:p>
+            <a:pPr algn="ctr"/>
+            <a:r>
+              <a:rPr lang="en-US" sz="1200" dirty="0" err="1"/>
+              <a:t>Palavra</a:t>
+            </a:r>
+            <a:r>
+              <a:rPr lang="en-US" sz="1200" dirty="0"/>
+              <a:t> de </a:t>
+            </a:r>
+            <a:r>
+              <a:rPr lang="en-US" sz="1200" dirty="0" err="1"/>
+              <a:t>Busca</a:t>
+            </a:r>
+            <a:endParaRPr lang="en-US" sz="1200" dirty="0"/>
+          </a:p>
+        </p:txBody>
+      </p:sp>
+      <p:cxnSp>
+        <p:nvCxnSpPr>
+          <p:cNvPr id="14" name="Straight Arrow Connector 13"/>
+          <p:cNvCxnSpPr/>
+          <p:nvPr/>
+        </p:nvCxnSpPr>
+        <p:spPr>
+          <a:xfrm>
+            <a:off x="5687290" y="474774"/>
+            <a:ext cx="180110" cy="286058"/>
+          </a:xfrm>
+          <a:prstGeom prst="straightConnector1">
+            <a:avLst/>
+          </a:prstGeom>
+          <a:ln>
+            <a:tailEnd type="triangle"/>
+          </a:ln>
+        </p:spPr>
+        <p:style>
+          <a:lnRef idx="1">
+            <a:schemeClr val="accent1"/>
+          </a:lnRef>
+          <a:fillRef idx="0">
+            <a:schemeClr val="accent1"/>
+          </a:fillRef>
+          <a:effectRef idx="0">
+            <a:schemeClr val="accent1"/>
+          </a:effectRef>
+          <a:fontRef idx="minor">
+            <a:schemeClr val="tx1"/>
+          </a:fontRef>
+        </p:style>
+      </p:cxnSp>
+      <p:cxnSp>
+        <p:nvCxnSpPr>
+          <p:cNvPr id="16" name="Straight Arrow Connector 15"/>
+          <p:cNvCxnSpPr>
+            <a:endCxn id="10" idx="0"/>
+          </p:cNvCxnSpPr>
+          <p:nvPr/>
+        </p:nvCxnSpPr>
+        <p:spPr>
+          <a:xfrm flipH="1">
+            <a:off x="6192982" y="474774"/>
+            <a:ext cx="90053" cy="286058"/>
+          </a:xfrm>
+          <a:prstGeom prst="straightConnector1">
+            <a:avLst/>
+          </a:prstGeom>
+          <a:ln>
+            <a:tailEnd type="triangle"/>
+          </a:ln>
+        </p:spPr>
+        <p:style>
+          <a:lnRef idx="1">
+            <a:schemeClr val="accent1"/>
+          </a:lnRef>
+          <a:fillRef idx="0">
+            <a:schemeClr val="accent1"/>
+          </a:fillRef>
+          <a:effectRef idx="0">
+            <a:schemeClr val="accent1"/>
+          </a:effectRef>
+          <a:fontRef idx="minor">
+            <a:schemeClr val="tx1"/>
+          </a:fontRef>
+        </p:style>
+      </p:cxnSp>
+      <p:sp>
+        <p:nvSpPr>
+          <p:cNvPr id="21" name="Rectangle 20"/>
+          <p:cNvSpPr/>
+          <p:nvPr/>
+        </p:nvSpPr>
+        <p:spPr>
+          <a:xfrm>
+            <a:off x="7049090" y="1604697"/>
+            <a:ext cx="1783210" cy="376504"/>
+          </a:xfrm>
+          <a:prstGeom prst="rect">
+            <a:avLst/>
+          </a:prstGeom>
+        </p:spPr>
+        <p:style>
+          <a:lnRef idx="2">
+            <a:schemeClr val="accent3">
+              <a:shade val="50000"/>
+            </a:schemeClr>
+          </a:lnRef>
+          <a:fillRef idx="1">
+            <a:schemeClr val="accent3"/>
+          </a:fillRef>
+          <a:effectRef idx="0">
+            <a:schemeClr val="accent3"/>
+          </a:effectRef>
+          <a:fontRef idx="minor">
+            <a:schemeClr val="lt1"/>
+          </a:fontRef>
+        </p:style>
+        <p:txBody>
+          <a:bodyPr rtlCol="0" anchor="ctr"/>
+          <a:lstStyle/>
+          <a:p>
+            <a:r>
+              <a:rPr lang="pt-BR" sz="1000" dirty="0"/>
+              <a:t>n = 17 (Bases matemáticas)</a:t>
+            </a:r>
+          </a:p>
+          <a:p>
+            <a:r>
+              <a:rPr lang="pt-BR" sz="1000" dirty="0"/>
+              <a:t>m = 4 (Base)</a:t>
+            </a:r>
+            <a:endParaRPr lang="en-US" sz="1000" dirty="0"/>
+          </a:p>
+        </p:txBody>
+      </p:sp>
+    </p:spTree>
+    <p:extLst>
+      <p:ext uri="{BB962C8B-B14F-4D97-AF65-F5344CB8AC3E}">
+        <p14:creationId xmlns:p14="http://schemas.microsoft.com/office/powerpoint/2010/main" val="2100677188"/>
+      </p:ext>
+    </p:extLst>
+  </p:cSld>
+  <p:clrMapOvr>
+    <a:masterClrMapping/>
+  </p:clrMapOvr>
+</p:sld>
+</file>
+
+<file path=ppt/slides/slide21.xml><?xml version="1.0" encoding="utf-8"?>
+<p:sld xmlns:a="http://schemas.openxmlformats.org/drawingml/2006/main" xmlns:r="http://schemas.openxmlformats.org/officeDocument/2006/relationships" xmlns:p="http://schemas.openxmlformats.org/presentationml/2006/main">
+  <p:cSld>
+    <p:spTree>
+      <p:nvGrpSpPr>
         <p:cNvPr id="1" name="Shape 164"/>
         <p:cNvGrpSpPr/>
         <p:nvPr/>
@@ -7149,7 +7783,7 @@
 </p:sld>
 </file>
 
-<file path=ppt/slides/slide21.xml><?xml version="1.0" encoding="utf-8"?>
+<file path=ppt/slides/slide22.xml><?xml version="1.0" encoding="utf-8"?>
 <p:sld xmlns:a="http://schemas.openxmlformats.org/drawingml/2006/main" xmlns:r="http://schemas.openxmlformats.org/officeDocument/2006/relationships" xmlns:p="http://schemas.openxmlformats.org/presentationml/2006/main">
   <p:cSld>
     <p:spTree>
@@ -7255,7 +7889,7 @@
 </p:sld>
 </file>
 
-<file path=ppt/slides/slide22.xml><?xml version="1.0" encoding="utf-8"?>
+<file path=ppt/slides/slide23.xml><?xml version="1.0" encoding="utf-8"?>
 <p:sld xmlns:a="http://schemas.openxmlformats.org/drawingml/2006/main" xmlns:r="http://schemas.openxmlformats.org/officeDocument/2006/relationships" xmlns:p="http://schemas.openxmlformats.org/presentationml/2006/main">
   <p:cSld>
     <p:spTree>
@@ -7365,7 +7999,7 @@
 </p:sld>
 </file>
 
-<file path=ppt/slides/slide23.xml><?xml version="1.0" encoding="utf-8"?>
+<file path=ppt/slides/slide24.xml><?xml version="1.0" encoding="utf-8"?>
 <p:sld xmlns:a="http://schemas.openxmlformats.org/drawingml/2006/main" xmlns:r="http://schemas.openxmlformats.org/officeDocument/2006/relationships" xmlns:p="http://schemas.openxmlformats.org/presentationml/2006/main">
   <p:cSld>
     <p:spTree>
